--- a/TESTING/1-3.pptx
+++ b/TESTING/1-3.pptx
@@ -211,7 +211,7 @@
           <a:p>
             <a:fld id="{BD191DC8-1FE8-7046-A8AC-9F90E86112EC}" type="datetimeFigureOut">
               <a:rPr lang="en-US" smtClean="0"/>
-              <a:t>06/26/2020</a:t>
+              <a:t>26-Jun-20</a:t>
             </a:fld>
             <a:endParaRPr lang="en-US"/>
           </a:p>
@@ -7401,46 +7401,72 @@
           <a:lstStyle/>
           <a:p>
             <a:r>
-              <a:rPr lang="en-US">
+              <a:rPr lang="en-US" dirty="0">
                 <a:latin typeface="Arial" panose="020B0604020202020204" pitchFamily="34" charset="0"/>
                 <a:cs typeface="Arial" panose="020B0604020202020204" pitchFamily="34" charset="0"/>
               </a:rPr>
-              <a:t>require 'watir'</a:t>
+              <a:t>require '</a:t>
+            </a:r>
+            <a:r>
+              <a:rPr lang="en-US" dirty="0" err="1">
+                <a:latin typeface="Arial" panose="020B0604020202020204" pitchFamily="34" charset="0"/>
+                <a:cs typeface="Arial" panose="020B0604020202020204" pitchFamily="34" charset="0"/>
+              </a:rPr>
+              <a:t>watir</a:t>
+            </a:r>
+            <a:r>
+              <a:rPr lang="en-US" dirty="0">
+                <a:latin typeface="Arial" panose="020B0604020202020204" pitchFamily="34" charset="0"/>
+                <a:cs typeface="Arial" panose="020B0604020202020204" pitchFamily="34" charset="0"/>
+              </a:rPr>
+              <a:t>'</a:t>
             </a:r>
           </a:p>
           <a:p>
             <a:r>
-              <a:rPr lang="en-US">
+              <a:rPr lang="en-US" dirty="0" err="1">
                 <a:latin typeface="Arial" panose="020B0604020202020204" pitchFamily="34" charset="0"/>
                 <a:cs typeface="Arial" panose="020B0604020202020204" pitchFamily="34" charset="0"/>
               </a:rPr>
-              <a:t>Watir::Browser.new :chrome</a:t>
+              <a:t>Watir</a:t>
+            </a:r>
+            <a:r>
+              <a:rPr lang="en-US" dirty="0">
+                <a:latin typeface="Arial" panose="020B0604020202020204" pitchFamily="34" charset="0"/>
+                <a:cs typeface="Arial" panose="020B0604020202020204" pitchFamily="34" charset="0"/>
+              </a:rPr>
+              <a:t>::</a:t>
+            </a:r>
+            <a:r>
+              <a:rPr lang="en-US" dirty="0" err="1">
+                <a:latin typeface="Arial" panose="020B0604020202020204" pitchFamily="34" charset="0"/>
+                <a:cs typeface="Arial" panose="020B0604020202020204" pitchFamily="34" charset="0"/>
+              </a:rPr>
+              <a:t>Browser.new</a:t>
+            </a:r>
+            <a:r>
+              <a:rPr lang="en-US" dirty="0">
+                <a:latin typeface="Arial" panose="020B0604020202020204" pitchFamily="34" charset="0"/>
+                <a:cs typeface="Arial" panose="020B0604020202020204" pitchFamily="34" charset="0"/>
+              </a:rPr>
+              <a:t> :chrome</a:t>
             </a:r>
           </a:p>
           <a:p>
-            <a:endParaRPr lang="en-US">
+            <a:endParaRPr lang="sv-SE" dirty="0">
               <a:latin typeface="Arial" panose="020B0604020202020204" pitchFamily="34" charset="0"/>
               <a:cs typeface="Arial" panose="020B0604020202020204" pitchFamily="34" charset="0"/>
             </a:endParaRPr>
           </a:p>
           <a:p>
             <a:r>
-              <a:rPr lang="sv-SE">
+              <a:rPr lang="sv-SE" dirty="0">
                 <a:latin typeface="Arial" panose="020B0604020202020204" pitchFamily="34" charset="0"/>
                 <a:cs typeface="Arial" panose="020B0604020202020204" pitchFamily="34" charset="0"/>
               </a:rPr>
-              <a:t>browser = Watir::Browser.new</a:t>
-            </a:r>
-          </a:p>
-          <a:p>
-            <a:r>
-              <a:rPr lang="sv-SE">
-                <a:latin typeface="Arial" panose="020B0604020202020204" pitchFamily="34" charset="0"/>
-                <a:cs typeface="Arial" panose="020B0604020202020204" pitchFamily="34" charset="0"/>
-              </a:rPr>
               <a:t>browser.goto("https://www.google.com")</a:t>
             </a:r>
-            <a:endParaRPr lang="vi-VN">
+            <a:endParaRPr lang="vi-VN" dirty="0">
               <a:latin typeface="Arial" panose="020B0604020202020204" pitchFamily="34" charset="0"/>
               <a:cs typeface="Arial" panose="020B0604020202020204" pitchFamily="34" charset="0"/>
             </a:endParaRPr>
@@ -7531,6 +7557,191 @@
   <p:clrMapOvr>
     <a:masterClrMapping/>
   </p:clrMapOvr>
+  <p:timing>
+    <p:tnLst>
+      <p:par>
+        <p:cTn id="1" dur="indefinite" restart="never" nodeType="tmRoot">
+          <p:childTnLst>
+            <p:seq concurrent="1" nextAc="seek">
+              <p:cTn id="2" dur="indefinite" nodeType="mainSeq">
+                <p:childTnLst>
+                  <p:par>
+                    <p:cTn id="3" fill="hold">
+                      <p:stCondLst>
+                        <p:cond delay="indefinite"/>
+                      </p:stCondLst>
+                      <p:childTnLst>
+                        <p:par>
+                          <p:cTn id="4" fill="hold">
+                            <p:stCondLst>
+                              <p:cond delay="0"/>
+                            </p:stCondLst>
+                            <p:childTnLst>
+                              <p:par>
+                                <p:cTn id="5" presetID="10" presetClass="entr" presetSubtype="0" fill="hold" grpId="0" nodeType="clickEffect">
+                                  <p:stCondLst>
+                                    <p:cond delay="0"/>
+                                  </p:stCondLst>
+                                  <p:childTnLst>
+                                    <p:set>
+                                      <p:cBhvr>
+                                        <p:cTn id="6" dur="1" fill="hold">
+                                          <p:stCondLst>
+                                            <p:cond delay="0"/>
+                                          </p:stCondLst>
+                                        </p:cTn>
+                                        <p:tgtEl>
+                                          <p:spTgt spid="13"/>
+                                        </p:tgtEl>
+                                        <p:attrNameLst>
+                                          <p:attrName>style.visibility</p:attrName>
+                                        </p:attrNameLst>
+                                      </p:cBhvr>
+                                      <p:to>
+                                        <p:strVal val="visible"/>
+                                      </p:to>
+                                    </p:set>
+                                    <p:animEffect transition="in" filter="fade">
+                                      <p:cBhvr>
+                                        <p:cTn id="7" dur="500"/>
+                                        <p:tgtEl>
+                                          <p:spTgt spid="13"/>
+                                        </p:tgtEl>
+                                      </p:cBhvr>
+                                    </p:animEffect>
+                                  </p:childTnLst>
+                                </p:cTn>
+                              </p:par>
+                            </p:childTnLst>
+                          </p:cTn>
+                        </p:par>
+                      </p:childTnLst>
+                    </p:cTn>
+                  </p:par>
+                  <p:par>
+                    <p:cTn id="8" fill="hold">
+                      <p:stCondLst>
+                        <p:cond delay="indefinite"/>
+                      </p:stCondLst>
+                      <p:childTnLst>
+                        <p:par>
+                          <p:cTn id="9" fill="hold">
+                            <p:stCondLst>
+                              <p:cond delay="0"/>
+                            </p:stCondLst>
+                            <p:childTnLst>
+                              <p:par>
+                                <p:cTn id="10" presetID="22" presetClass="entr" presetSubtype="4" fill="hold" grpId="0" nodeType="clickEffect">
+                                  <p:stCondLst>
+                                    <p:cond delay="0"/>
+                                  </p:stCondLst>
+                                  <p:childTnLst>
+                                    <p:set>
+                                      <p:cBhvr>
+                                        <p:cTn id="11" dur="1" fill="hold">
+                                          <p:stCondLst>
+                                            <p:cond delay="0"/>
+                                          </p:stCondLst>
+                                        </p:cTn>
+                                        <p:tgtEl>
+                                          <p:spTgt spid="2"/>
+                                        </p:tgtEl>
+                                        <p:attrNameLst>
+                                          <p:attrName>style.visibility</p:attrName>
+                                        </p:attrNameLst>
+                                      </p:cBhvr>
+                                      <p:to>
+                                        <p:strVal val="visible"/>
+                                      </p:to>
+                                    </p:set>
+                                    <p:animEffect transition="in" filter="wipe(down)">
+                                      <p:cBhvr>
+                                        <p:cTn id="12" dur="500"/>
+                                        <p:tgtEl>
+                                          <p:spTgt spid="2"/>
+                                        </p:tgtEl>
+                                      </p:cBhvr>
+                                    </p:animEffect>
+                                  </p:childTnLst>
+                                </p:cTn>
+                              </p:par>
+                            </p:childTnLst>
+                          </p:cTn>
+                        </p:par>
+                      </p:childTnLst>
+                    </p:cTn>
+                  </p:par>
+                  <p:par>
+                    <p:cTn id="13" fill="hold">
+                      <p:stCondLst>
+                        <p:cond delay="indefinite"/>
+                      </p:stCondLst>
+                      <p:childTnLst>
+                        <p:par>
+                          <p:cTn id="14" fill="hold">
+                            <p:stCondLst>
+                              <p:cond delay="0"/>
+                            </p:stCondLst>
+                            <p:childTnLst>
+                              <p:par>
+                                <p:cTn id="15" presetID="1" presetClass="entr" presetSubtype="0" fill="hold" nodeType="clickEffect">
+                                  <p:stCondLst>
+                                    <p:cond delay="0"/>
+                                  </p:stCondLst>
+                                  <p:childTnLst>
+                                    <p:set>
+                                      <p:cBhvr>
+                                        <p:cTn id="16" dur="1" fill="hold">
+                                          <p:stCondLst>
+                                            <p:cond delay="0"/>
+                                          </p:stCondLst>
+                                        </p:cTn>
+                                        <p:tgtEl>
+                                          <p:spTgt spid="5"/>
+                                        </p:tgtEl>
+                                        <p:attrNameLst>
+                                          <p:attrName>style.visibility</p:attrName>
+                                        </p:attrNameLst>
+                                      </p:cBhvr>
+                                      <p:to>
+                                        <p:strVal val="visible"/>
+                                      </p:to>
+                                    </p:set>
+                                  </p:childTnLst>
+                                </p:cTn>
+                              </p:par>
+                            </p:childTnLst>
+                          </p:cTn>
+                        </p:par>
+                      </p:childTnLst>
+                    </p:cTn>
+                  </p:par>
+                </p:childTnLst>
+              </p:cTn>
+              <p:prevCondLst>
+                <p:cond evt="onPrev" delay="0">
+                  <p:tgtEl>
+                    <p:sldTgt/>
+                  </p:tgtEl>
+                </p:cond>
+              </p:prevCondLst>
+              <p:nextCondLst>
+                <p:cond evt="onNext" delay="0">
+                  <p:tgtEl>
+                    <p:sldTgt/>
+                  </p:tgtEl>
+                </p:cond>
+              </p:nextCondLst>
+            </p:seq>
+          </p:childTnLst>
+        </p:cTn>
+      </p:par>
+    </p:tnLst>
+    <p:bldLst>
+      <p:bldP spid="13" grpId="0" animBg="1"/>
+      <p:bldP spid="2" grpId="0" animBg="1"/>
+    </p:bldLst>
+  </p:timing>
 </p:sld>
 </file>
 
@@ -7692,6 +7903,89 @@
   <p:clrMapOvr>
     <a:masterClrMapping/>
   </p:clrMapOvr>
+  <p:timing>
+    <p:tnLst>
+      <p:par>
+        <p:cTn id="1" dur="indefinite" restart="never" nodeType="tmRoot">
+          <p:childTnLst>
+            <p:seq concurrent="1" nextAc="seek">
+              <p:cTn id="2" dur="indefinite" nodeType="mainSeq">
+                <p:childTnLst>
+                  <p:par>
+                    <p:cTn id="3" fill="hold">
+                      <p:stCondLst>
+                        <p:cond delay="indefinite"/>
+                      </p:stCondLst>
+                      <p:childTnLst>
+                        <p:par>
+                          <p:cTn id="4" fill="hold">
+                            <p:stCondLst>
+                              <p:cond delay="0"/>
+                            </p:stCondLst>
+                            <p:childTnLst>
+                              <p:par>
+                                <p:cTn id="5" presetID="22" presetClass="entr" presetSubtype="4" fill="hold" nodeType="clickEffect">
+                                  <p:stCondLst>
+                                    <p:cond delay="0"/>
+                                  </p:stCondLst>
+                                  <p:childTnLst>
+                                    <p:set>
+                                      <p:cBhvr>
+                                        <p:cTn id="6" dur="1" fill="hold">
+                                          <p:stCondLst>
+                                            <p:cond delay="0"/>
+                                          </p:stCondLst>
+                                        </p:cTn>
+                                        <p:tgtEl>
+                                          <p:spTgt spid="5"/>
+                                        </p:tgtEl>
+                                        <p:attrNameLst>
+                                          <p:attrName>style.visibility</p:attrName>
+                                        </p:attrNameLst>
+                                      </p:cBhvr>
+                                      <p:to>
+                                        <p:strVal val="visible"/>
+                                      </p:to>
+                                    </p:set>
+                                    <p:animEffect transition="in" filter="wipe(down)">
+                                      <p:cBhvr>
+                                        <p:cTn id="7" dur="500"/>
+                                        <p:tgtEl>
+                                          <p:spTgt spid="5"/>
+                                        </p:tgtEl>
+                                      </p:cBhvr>
+                                    </p:animEffect>
+                                  </p:childTnLst>
+                                </p:cTn>
+                              </p:par>
+                            </p:childTnLst>
+                          </p:cTn>
+                        </p:par>
+                      </p:childTnLst>
+                    </p:cTn>
+                  </p:par>
+                </p:childTnLst>
+              </p:cTn>
+              <p:prevCondLst>
+                <p:cond evt="onPrev" delay="0">
+                  <p:tgtEl>
+                    <p:sldTgt/>
+                  </p:tgtEl>
+                </p:cond>
+              </p:prevCondLst>
+              <p:nextCondLst>
+                <p:cond evt="onNext" delay="0">
+                  <p:tgtEl>
+                    <p:sldTgt/>
+                  </p:tgtEl>
+                </p:cond>
+              </p:nextCondLst>
+            </p:seq>
+          </p:childTnLst>
+        </p:cTn>
+      </p:par>
+    </p:tnLst>
+  </p:timing>
 </p:sld>
 </file>
 
@@ -7895,6 +8189,82 @@
               <a:ea typeface="Arial" charset="0"/>
               <a:cs typeface="Arial" charset="0"/>
             </a:endParaRPr>
+          </a:p>
+        </p:txBody>
+      </p:sp>
+      <p:pic>
+        <p:nvPicPr>
+          <p:cNvPr id="3" name="Hình ảnh 2">
+            <a:extLst>
+              <a:ext uri="{FF2B5EF4-FFF2-40B4-BE49-F238E27FC236}">
+                <a16:creationId xmlns:a16="http://schemas.microsoft.com/office/drawing/2014/main" id="{D5CFE018-0A0D-42BC-BF32-9FAAB7A9AFC9}"/>
+              </a:ext>
+            </a:extLst>
+          </p:cNvPr>
+          <p:cNvPicPr>
+            <a:picLocks noChangeAspect="1"/>
+          </p:cNvPicPr>
+          <p:nvPr/>
+        </p:nvPicPr>
+        <p:blipFill>
+          <a:blip r:embed="rId3"/>
+          <a:stretch>
+            <a:fillRect/>
+          </a:stretch>
+        </p:blipFill>
+        <p:spPr>
+          <a:xfrm>
+            <a:off x="1836964" y="3905245"/>
+            <a:ext cx="3651201" cy="1448024"/>
+          </a:xfrm>
+          <a:prstGeom prst="rect">
+            <a:avLst/>
+          </a:prstGeom>
+        </p:spPr>
+      </p:pic>
+      <p:sp>
+        <p:nvSpPr>
+          <p:cNvPr id="4" name="Rectangle 31">
+            <a:extLst>
+              <a:ext uri="{FF2B5EF4-FFF2-40B4-BE49-F238E27FC236}">
+                <a16:creationId xmlns:a16="http://schemas.microsoft.com/office/drawing/2014/main" id="{63F47184-EA62-4F73-B500-882488368FD2}"/>
+              </a:ext>
+            </a:extLst>
+          </p:cNvPr>
+          <p:cNvSpPr/>
+          <p:nvPr/>
+        </p:nvSpPr>
+        <p:spPr>
+          <a:xfrm>
+            <a:off x="2955471" y="5107048"/>
+            <a:ext cx="2473778" cy="246221"/>
+          </a:xfrm>
+          <a:prstGeom prst="rect">
+            <a:avLst/>
+          </a:prstGeom>
+          <a:noFill/>
+          <a:ln>
+            <a:noFill/>
+          </a:ln>
+        </p:spPr>
+        <p:txBody>
+          <a:bodyPr wrap="square">
+            <a:spAutoFit/>
+          </a:bodyPr>
+          <a:lstStyle/>
+          <a:p>
+            <a:pPr algn="ctr"/>
+            <a:r>
+              <a:rPr lang="en-US" sz="1000" b="1" dirty="0">
+                <a:solidFill>
+                  <a:srgbClr val="002060"/>
+                </a:solidFill>
+                <a:latin typeface="Arial" panose="020B0604020202020204" pitchFamily="34" charset="0"/>
+                <a:ea typeface="Arial" charset="0"/>
+                <a:cs typeface="Arial" panose="020B0604020202020204" pitchFamily="34" charset="0"/>
+              </a:rPr>
+              <a:t>WATIR – POWERED BY SELENIUM</a:t>
+            </a:r>
           </a:p>
         </p:txBody>
       </p:sp>
@@ -7972,6 +8342,94 @@
                             </p:childTnLst>
                           </p:cTn>
                         </p:par>
+                        <p:par>
+                          <p:cTn id="8" fill="hold">
+                            <p:stCondLst>
+                              <p:cond delay="500"/>
+                            </p:stCondLst>
+                            <p:childTnLst>
+                              <p:par>
+                                <p:cTn id="9" presetID="22" presetClass="entr" presetSubtype="4" fill="hold" nodeType="afterEffect">
+                                  <p:stCondLst>
+                                    <p:cond delay="0"/>
+                                  </p:stCondLst>
+                                  <p:childTnLst>
+                                    <p:set>
+                                      <p:cBhvr>
+                                        <p:cTn id="10" dur="1" fill="hold">
+                                          <p:stCondLst>
+                                            <p:cond delay="0"/>
+                                          </p:stCondLst>
+                                        </p:cTn>
+                                        <p:tgtEl>
+                                          <p:spTgt spid="3"/>
+                                        </p:tgtEl>
+                                        <p:attrNameLst>
+                                          <p:attrName>style.visibility</p:attrName>
+                                        </p:attrNameLst>
+                                      </p:cBhvr>
+                                      <p:to>
+                                        <p:strVal val="visible"/>
+                                      </p:to>
+                                    </p:set>
+                                    <p:animEffect transition="in" filter="wipe(down)">
+                                      <p:cBhvr>
+                                        <p:cTn id="11" dur="500"/>
+                                        <p:tgtEl>
+                                          <p:spTgt spid="3"/>
+                                        </p:tgtEl>
+                                      </p:cBhvr>
+                                    </p:animEffect>
+                                  </p:childTnLst>
+                                </p:cTn>
+                              </p:par>
+                            </p:childTnLst>
+                          </p:cTn>
+                        </p:par>
+                        <p:par>
+                          <p:cTn id="12" fill="hold">
+                            <p:stCondLst>
+                              <p:cond delay="1000"/>
+                            </p:stCondLst>
+                            <p:childTnLst>
+                              <p:par>
+                                <p:cTn id="13" presetID="6" presetClass="entr" presetSubtype="16" fill="hold" grpId="0" nodeType="afterEffect">
+                                  <p:stCondLst>
+                                    <p:cond delay="0"/>
+                                  </p:stCondLst>
+                                  <p:childTnLst>
+                                    <p:set>
+                                      <p:cBhvr>
+                                        <p:cTn id="14" dur="1" fill="hold">
+                                          <p:stCondLst>
+                                            <p:cond delay="0"/>
+                                          </p:stCondLst>
+                                        </p:cTn>
+                                        <p:tgtEl>
+                                          <p:spTgt spid="4"/>
+                                        </p:tgtEl>
+                                        <p:attrNameLst>
+                                          <p:attrName>style.visibility</p:attrName>
+                                        </p:attrNameLst>
+                                      </p:cBhvr>
+                                      <p:to>
+                                        <p:strVal val="visible"/>
+                                      </p:to>
+                                    </p:set>
+                                    <p:animEffect transition="in" filter="circle(in)">
+                                      <p:cBhvr>
+                                        <p:cTn id="15" dur="500"/>
+                                        <p:tgtEl>
+                                          <p:spTgt spid="4"/>
+                                        </p:tgtEl>
+                                      </p:cBhvr>
+                                    </p:animEffect>
+                                  </p:childTnLst>
+                                </p:cTn>
+                              </p:par>
+                            </p:childTnLst>
+                          </p:cTn>
+                        </p:par>
                       </p:childTnLst>
                     </p:cTn>
                   </p:par>
@@ -7998,6 +8456,7 @@
     </p:tnLst>
     <p:bldLst>
       <p:bldP spid="32" grpId="0"/>
+      <p:bldP spid="4" grpId="0"/>
     </p:bldLst>
   </p:timing>
 </p:sld>
@@ -8622,30 +9081,21 @@
                             </p:childTnLst>
                           </p:cTn>
                         </p:par>
-                      </p:childTnLst>
-                    </p:cTn>
-                  </p:par>
-                  <p:par>
-                    <p:cTn id="8" fill="hold">
-                      <p:stCondLst>
-                        <p:cond delay="indefinite"/>
-                      </p:stCondLst>
-                      <p:childTnLst>
                         <p:par>
-                          <p:cTn id="9" fill="hold">
+                          <p:cTn id="8" fill="hold">
                             <p:stCondLst>
-                              <p:cond delay="0"/>
+                              <p:cond delay="500"/>
                             </p:stCondLst>
                             <p:childTnLst>
                               <p:par>
-                                <p:cTn id="10" presetID="2" presetClass="entr" presetSubtype="4" fill="hold" nodeType="clickEffect">
+                                <p:cTn id="9" presetID="2" presetClass="entr" presetSubtype="4" fill="hold" nodeType="afterEffect">
                                   <p:stCondLst>
                                     <p:cond delay="0"/>
                                   </p:stCondLst>
                                   <p:childTnLst>
                                     <p:set>
                                       <p:cBhvr>
-                                        <p:cTn id="11" dur="1" fill="hold">
+                                        <p:cTn id="10" dur="1" fill="hold">
                                           <p:stCondLst>
                                             <p:cond delay="0"/>
                                           </p:stCondLst>
@@ -8663,7 +9113,7 @@
                                     </p:set>
                                     <p:anim calcmode="lin" valueType="num">
                                       <p:cBhvr additive="base">
-                                        <p:cTn id="12" dur="500" fill="hold"/>
+                                        <p:cTn id="11" dur="500" fill="hold"/>
                                         <p:tgtEl>
                                           <p:spTgt spid="4"/>
                                         </p:tgtEl>
@@ -8686,7 +9136,7 @@
                                     </p:anim>
                                     <p:anim calcmode="lin" valueType="num">
                                       <p:cBhvr additive="base">
-                                        <p:cTn id="13" dur="500" fill="hold"/>
+                                        <p:cTn id="12" dur="500" fill="hold"/>
                                         <p:tgtEl>
                                           <p:spTgt spid="4"/>
                                         </p:tgtEl>
@@ -8710,8 +9160,17 @@
                                   </p:childTnLst>
                                 </p:cTn>
                               </p:par>
+                            </p:childTnLst>
+                          </p:cTn>
+                        </p:par>
+                        <p:par>
+                          <p:cTn id="13" fill="hold">
+                            <p:stCondLst>
+                              <p:cond delay="1000"/>
+                            </p:stCondLst>
+                            <p:childTnLst>
                               <p:par>
-                                <p:cTn id="14" presetID="2" presetClass="entr" presetSubtype="4" fill="hold" nodeType="withEffect">
+                                <p:cTn id="14" presetID="2" presetClass="entr" presetSubtype="4" fill="hold" nodeType="afterEffect">
                                   <p:stCondLst>
                                     <p:cond delay="0"/>
                                   </p:stCondLst>
@@ -8783,15 +9242,24 @@
                                   </p:childTnLst>
                                 </p:cTn>
                               </p:par>
+                            </p:childTnLst>
+                          </p:cTn>
+                        </p:par>
+                        <p:par>
+                          <p:cTn id="18" fill="hold">
+                            <p:stCondLst>
+                              <p:cond delay="1500"/>
+                            </p:stCondLst>
+                            <p:childTnLst>
                               <p:par>
-                                <p:cTn id="18" presetID="2" presetClass="entr" presetSubtype="4" fill="hold" nodeType="withEffect">
+                                <p:cTn id="19" presetID="2" presetClass="entr" presetSubtype="4" fill="hold" nodeType="afterEffect">
                                   <p:stCondLst>
                                     <p:cond delay="0"/>
                                   </p:stCondLst>
                                   <p:childTnLst>
                                     <p:set>
                                       <p:cBhvr>
-                                        <p:cTn id="19" dur="1" fill="hold">
+                                        <p:cTn id="20" dur="1" fill="hold">
                                           <p:stCondLst>
                                             <p:cond delay="0"/>
                                           </p:stCondLst>
@@ -8809,7 +9277,7 @@
                                     </p:set>
                                     <p:anim calcmode="lin" valueType="num">
                                       <p:cBhvr additive="base">
-                                        <p:cTn id="20" dur="500" fill="hold"/>
+                                        <p:cTn id="21" dur="500" fill="hold"/>
                                         <p:tgtEl>
                                           <p:spTgt spid="38"/>
                                         </p:tgtEl>
@@ -8832,7 +9300,7 @@
                                     </p:anim>
                                     <p:anim calcmode="lin" valueType="num">
                                       <p:cBhvr additive="base">
-                                        <p:cTn id="21" dur="500" fill="hold"/>
+                                        <p:cTn id="22" dur="500" fill="hold"/>
                                         <p:tgtEl>
                                           <p:spTgt spid="38"/>
                                         </p:tgtEl>
@@ -11215,13 +11683,111 @@
           <a:p>
             <a:pPr algn="ctr"/>
             <a:r>
-              <a:rPr lang="en-US">
+              <a:rPr lang="en-US" dirty="0" err="1">
                 <a:latin typeface="Arial" panose="020B0604020202020204" pitchFamily="34" charset="0"/>
                 <a:cs typeface="Arial" panose="020B0604020202020204" pitchFamily="34" charset="0"/>
               </a:rPr>
-              <a:t>Sử dụng Selenium web-driver từ phiên bản watir 6.0 trở đi</a:t>
-            </a:r>
-            <a:endParaRPr lang="vi-VN">
+              <a:t>Sử</a:t>
+            </a:r>
+            <a:r>
+              <a:rPr lang="en-US" dirty="0">
+                <a:latin typeface="Arial" panose="020B0604020202020204" pitchFamily="34" charset="0"/>
+                <a:cs typeface="Arial" panose="020B0604020202020204" pitchFamily="34" charset="0"/>
+              </a:rPr>
+              <a:t> </a:t>
+            </a:r>
+            <a:r>
+              <a:rPr lang="en-US" dirty="0" err="1">
+                <a:latin typeface="Arial" panose="020B0604020202020204" pitchFamily="34" charset="0"/>
+                <a:cs typeface="Arial" panose="020B0604020202020204" pitchFamily="34" charset="0"/>
+              </a:rPr>
+              <a:t>dụng</a:t>
+            </a:r>
+            <a:r>
+              <a:rPr lang="en-US" dirty="0">
+                <a:latin typeface="Arial" panose="020B0604020202020204" pitchFamily="34" charset="0"/>
+                <a:cs typeface="Arial" panose="020B0604020202020204" pitchFamily="34" charset="0"/>
+              </a:rPr>
+              <a:t> Selenium web-driver </a:t>
+            </a:r>
+            <a:r>
+              <a:rPr lang="en-US" dirty="0" err="1">
+                <a:latin typeface="Arial" panose="020B0604020202020204" pitchFamily="34" charset="0"/>
+                <a:cs typeface="Arial" panose="020B0604020202020204" pitchFamily="34" charset="0"/>
+              </a:rPr>
+              <a:t>từ</a:t>
+            </a:r>
+            <a:r>
+              <a:rPr lang="en-US" dirty="0">
+                <a:latin typeface="Arial" panose="020B0604020202020204" pitchFamily="34" charset="0"/>
+                <a:cs typeface="Arial" panose="020B0604020202020204" pitchFamily="34" charset="0"/>
+              </a:rPr>
+              <a:t> </a:t>
+            </a:r>
+            <a:r>
+              <a:rPr lang="en-US" dirty="0" err="1">
+                <a:latin typeface="Arial" panose="020B0604020202020204" pitchFamily="34" charset="0"/>
+                <a:cs typeface="Arial" panose="020B0604020202020204" pitchFamily="34" charset="0"/>
+              </a:rPr>
+              <a:t>phiên</a:t>
+            </a:r>
+            <a:r>
+              <a:rPr lang="en-US" dirty="0">
+                <a:latin typeface="Arial" panose="020B0604020202020204" pitchFamily="34" charset="0"/>
+                <a:cs typeface="Arial" panose="020B0604020202020204" pitchFamily="34" charset="0"/>
+              </a:rPr>
+              <a:t> </a:t>
+            </a:r>
+            <a:r>
+              <a:rPr lang="en-US" dirty="0" err="1">
+                <a:latin typeface="Arial" panose="020B0604020202020204" pitchFamily="34" charset="0"/>
+                <a:cs typeface="Arial" panose="020B0604020202020204" pitchFamily="34" charset="0"/>
+              </a:rPr>
+              <a:t>bản</a:t>
+            </a:r>
+            <a:r>
+              <a:rPr lang="en-US" dirty="0">
+                <a:latin typeface="Arial" panose="020B0604020202020204" pitchFamily="34" charset="0"/>
+                <a:cs typeface="Arial" panose="020B0604020202020204" pitchFamily="34" charset="0"/>
+              </a:rPr>
+              <a:t> </a:t>
+            </a:r>
+            <a:r>
+              <a:rPr lang="en-US" dirty="0" err="1">
+                <a:latin typeface="Arial" panose="020B0604020202020204" pitchFamily="34" charset="0"/>
+                <a:cs typeface="Arial" panose="020B0604020202020204" pitchFamily="34" charset="0"/>
+              </a:rPr>
+              <a:t>watir</a:t>
+            </a:r>
+            <a:r>
+              <a:rPr lang="en-US" dirty="0">
+                <a:latin typeface="Arial" panose="020B0604020202020204" pitchFamily="34" charset="0"/>
+                <a:cs typeface="Arial" panose="020B0604020202020204" pitchFamily="34" charset="0"/>
+              </a:rPr>
+              <a:t> 6.0 </a:t>
+            </a:r>
+            <a:r>
+              <a:rPr lang="en-US" dirty="0" err="1">
+                <a:latin typeface="Arial" panose="020B0604020202020204" pitchFamily="34" charset="0"/>
+                <a:cs typeface="Arial" panose="020B0604020202020204" pitchFamily="34" charset="0"/>
+              </a:rPr>
+              <a:t>trở</a:t>
+            </a:r>
+            <a:r>
+              <a:rPr lang="en-US" dirty="0">
+                <a:latin typeface="Arial" panose="020B0604020202020204" pitchFamily="34" charset="0"/>
+                <a:cs typeface="Arial" panose="020B0604020202020204" pitchFamily="34" charset="0"/>
+              </a:rPr>
+              <a:t> </a:t>
+            </a:r>
+            <a:r>
+              <a:rPr lang="en-US" dirty="0" err="1">
+                <a:latin typeface="Arial" panose="020B0604020202020204" pitchFamily="34" charset="0"/>
+                <a:cs typeface="Arial" panose="020B0604020202020204" pitchFamily="34" charset="0"/>
+              </a:rPr>
+              <a:t>đi</a:t>
+            </a:r>
+            <a:endParaRPr lang="vi-VN" dirty="0">
               <a:latin typeface="Arial" panose="020B0604020202020204" pitchFamily="34" charset="0"/>
               <a:cs typeface="Arial" panose="020B0604020202020204" pitchFamily="34" charset="0"/>
             </a:endParaRPr>
@@ -11446,30 +12012,396 @@
           <a:p>
             <a:pPr algn="ctr"/>
             <a:r>
-              <a:rPr lang="en-US">
+              <a:rPr lang="en-US" dirty="0">
                 <a:cs typeface="Arial" panose="020B0604020202020204" pitchFamily="34" charset="0"/>
               </a:rPr>
               <a:t>C</a:t>
             </a:r>
             <a:r>
-              <a:rPr lang="vi-VN">
-                <a:cs typeface="Arial" panose="020B0604020202020204" pitchFamily="34" charset="0"/>
-              </a:rPr>
-              <a:t>ho phép người dùng kết nối tới cơ sở dữ liệu, đọc tập tin dữ liệu, truy xuất tập tin XML và cấu trúc những đoạn code thành những thư viện để</a:t>
-            </a:r>
-            <a:r>
-              <a:rPr lang="en-US">
+              <a:rPr lang="vi-VN" dirty="0">
+                <a:cs typeface="Arial" panose="020B0604020202020204" pitchFamily="34" charset="0"/>
+              </a:rPr>
+              <a:t>ho </a:t>
+            </a:r>
+            <a:r>
+              <a:rPr lang="vi-VN" dirty="0" err="1">
+                <a:cs typeface="Arial" panose="020B0604020202020204" pitchFamily="34" charset="0"/>
+              </a:rPr>
+              <a:t>phép</a:t>
+            </a:r>
+            <a:r>
+              <a:rPr lang="vi-VN" dirty="0">
                 <a:cs typeface="Arial" panose="020B0604020202020204" pitchFamily="34" charset="0"/>
               </a:rPr>
               <a:t> </a:t>
             </a:r>
             <a:r>
-              <a:rPr lang="vi-VN">
-                <a:cs typeface="Arial" panose="020B0604020202020204" pitchFamily="34" charset="0"/>
-              </a:rPr>
-              <a:t>phục vụ mục đích tái sử dụng</a:t>
-            </a:r>
-            <a:endParaRPr lang="vi-VN">
+              <a:rPr lang="vi-VN" dirty="0" err="1">
+                <a:cs typeface="Arial" panose="020B0604020202020204" pitchFamily="34" charset="0"/>
+              </a:rPr>
+              <a:t>người</a:t>
+            </a:r>
+            <a:r>
+              <a:rPr lang="vi-VN" dirty="0">
+                <a:cs typeface="Arial" panose="020B0604020202020204" pitchFamily="34" charset="0"/>
+              </a:rPr>
+              <a:t> </a:t>
+            </a:r>
+            <a:r>
+              <a:rPr lang="vi-VN" dirty="0" err="1">
+                <a:cs typeface="Arial" panose="020B0604020202020204" pitchFamily="34" charset="0"/>
+              </a:rPr>
+              <a:t>dùng</a:t>
+            </a:r>
+            <a:r>
+              <a:rPr lang="vi-VN" dirty="0">
+                <a:cs typeface="Arial" panose="020B0604020202020204" pitchFamily="34" charset="0"/>
+              </a:rPr>
+              <a:t> </a:t>
+            </a:r>
+            <a:r>
+              <a:rPr lang="vi-VN" dirty="0" err="1">
+                <a:cs typeface="Arial" panose="020B0604020202020204" pitchFamily="34" charset="0"/>
+              </a:rPr>
+              <a:t>kết</a:t>
+            </a:r>
+            <a:r>
+              <a:rPr lang="vi-VN" dirty="0">
+                <a:cs typeface="Arial" panose="020B0604020202020204" pitchFamily="34" charset="0"/>
+              </a:rPr>
+              <a:t> </a:t>
+            </a:r>
+            <a:r>
+              <a:rPr lang="vi-VN" dirty="0" err="1">
+                <a:cs typeface="Arial" panose="020B0604020202020204" pitchFamily="34" charset="0"/>
+              </a:rPr>
+              <a:t>nối</a:t>
+            </a:r>
+            <a:r>
+              <a:rPr lang="vi-VN" dirty="0">
+                <a:cs typeface="Arial" panose="020B0604020202020204" pitchFamily="34" charset="0"/>
+              </a:rPr>
+              <a:t> </a:t>
+            </a:r>
+            <a:r>
+              <a:rPr lang="vi-VN" dirty="0" err="1">
+                <a:cs typeface="Arial" panose="020B0604020202020204" pitchFamily="34" charset="0"/>
+              </a:rPr>
+              <a:t>tới</a:t>
+            </a:r>
+            <a:r>
+              <a:rPr lang="vi-VN" dirty="0">
+                <a:cs typeface="Arial" panose="020B0604020202020204" pitchFamily="34" charset="0"/>
+              </a:rPr>
+              <a:t> cơ </a:t>
+            </a:r>
+            <a:r>
+              <a:rPr lang="vi-VN" dirty="0" err="1">
+                <a:cs typeface="Arial" panose="020B0604020202020204" pitchFamily="34" charset="0"/>
+              </a:rPr>
+              <a:t>sở</a:t>
+            </a:r>
+            <a:r>
+              <a:rPr lang="vi-VN" dirty="0">
+                <a:cs typeface="Arial" panose="020B0604020202020204" pitchFamily="34" charset="0"/>
+              </a:rPr>
+              <a:t> </a:t>
+            </a:r>
+            <a:r>
+              <a:rPr lang="vi-VN" dirty="0" err="1">
+                <a:cs typeface="Arial" panose="020B0604020202020204" pitchFamily="34" charset="0"/>
+              </a:rPr>
+              <a:t>dữ</a:t>
+            </a:r>
+            <a:r>
+              <a:rPr lang="vi-VN" dirty="0">
+                <a:cs typeface="Arial" panose="020B0604020202020204" pitchFamily="34" charset="0"/>
+              </a:rPr>
+              <a:t> </a:t>
+            </a:r>
+            <a:r>
+              <a:rPr lang="vi-VN" dirty="0" err="1">
+                <a:cs typeface="Arial" panose="020B0604020202020204" pitchFamily="34" charset="0"/>
+              </a:rPr>
+              <a:t>liệu</a:t>
+            </a:r>
+            <a:r>
+              <a:rPr lang="vi-VN" dirty="0">
+                <a:cs typeface="Arial" panose="020B0604020202020204" pitchFamily="34" charset="0"/>
+              </a:rPr>
+              <a:t>, </a:t>
+            </a:r>
+            <a:r>
+              <a:rPr lang="vi-VN" dirty="0" err="1">
+                <a:cs typeface="Arial" panose="020B0604020202020204" pitchFamily="34" charset="0"/>
+              </a:rPr>
+              <a:t>đọc</a:t>
+            </a:r>
+            <a:r>
+              <a:rPr lang="vi-VN" dirty="0">
+                <a:cs typeface="Arial" panose="020B0604020202020204" pitchFamily="34" charset="0"/>
+              </a:rPr>
+              <a:t> </a:t>
+            </a:r>
+            <a:r>
+              <a:rPr lang="vi-VN" dirty="0" err="1">
+                <a:cs typeface="Arial" panose="020B0604020202020204" pitchFamily="34" charset="0"/>
+              </a:rPr>
+              <a:t>tập</a:t>
+            </a:r>
+            <a:r>
+              <a:rPr lang="vi-VN" dirty="0">
+                <a:cs typeface="Arial" panose="020B0604020202020204" pitchFamily="34" charset="0"/>
+              </a:rPr>
+              <a:t> tin </a:t>
+            </a:r>
+            <a:r>
+              <a:rPr lang="vi-VN" dirty="0" err="1">
+                <a:cs typeface="Arial" panose="020B0604020202020204" pitchFamily="34" charset="0"/>
+              </a:rPr>
+              <a:t>dữ</a:t>
+            </a:r>
+            <a:r>
+              <a:rPr lang="vi-VN" dirty="0">
+                <a:cs typeface="Arial" panose="020B0604020202020204" pitchFamily="34" charset="0"/>
+              </a:rPr>
+              <a:t> </a:t>
+            </a:r>
+            <a:r>
+              <a:rPr lang="vi-VN" dirty="0" err="1">
+                <a:cs typeface="Arial" panose="020B0604020202020204" pitchFamily="34" charset="0"/>
+              </a:rPr>
+              <a:t>liệu</a:t>
+            </a:r>
+            <a:r>
+              <a:rPr lang="vi-VN" dirty="0">
+                <a:cs typeface="Arial" panose="020B0604020202020204" pitchFamily="34" charset="0"/>
+              </a:rPr>
+              <a:t>, truy </a:t>
+            </a:r>
+            <a:r>
+              <a:rPr lang="vi-VN" dirty="0" err="1">
+                <a:cs typeface="Arial" panose="020B0604020202020204" pitchFamily="34" charset="0"/>
+              </a:rPr>
+              <a:t>xuất</a:t>
+            </a:r>
+            <a:r>
+              <a:rPr lang="vi-VN" dirty="0">
+                <a:cs typeface="Arial" panose="020B0604020202020204" pitchFamily="34" charset="0"/>
+              </a:rPr>
+              <a:t> </a:t>
+            </a:r>
+            <a:r>
+              <a:rPr lang="vi-VN" dirty="0" err="1">
+                <a:cs typeface="Arial" panose="020B0604020202020204" pitchFamily="34" charset="0"/>
+              </a:rPr>
+              <a:t>tập</a:t>
+            </a:r>
+            <a:r>
+              <a:rPr lang="vi-VN" dirty="0">
+                <a:cs typeface="Arial" panose="020B0604020202020204" pitchFamily="34" charset="0"/>
+              </a:rPr>
+              <a:t> tin XML </a:t>
+            </a:r>
+            <a:r>
+              <a:rPr lang="vi-VN" dirty="0" err="1">
+                <a:cs typeface="Arial" panose="020B0604020202020204" pitchFamily="34" charset="0"/>
+              </a:rPr>
+              <a:t>và</a:t>
+            </a:r>
+            <a:r>
+              <a:rPr lang="vi-VN" dirty="0">
+                <a:cs typeface="Arial" panose="020B0604020202020204" pitchFamily="34" charset="0"/>
+              </a:rPr>
+              <a:t> </a:t>
+            </a:r>
+            <a:r>
+              <a:rPr lang="vi-VN" dirty="0" err="1">
+                <a:cs typeface="Arial" panose="020B0604020202020204" pitchFamily="34" charset="0"/>
+              </a:rPr>
+              <a:t>cấu</a:t>
+            </a:r>
+            <a:r>
+              <a:rPr lang="vi-VN" dirty="0">
+                <a:cs typeface="Arial" panose="020B0604020202020204" pitchFamily="34" charset="0"/>
+              </a:rPr>
+              <a:t> </a:t>
+            </a:r>
+            <a:r>
+              <a:rPr lang="vi-VN" dirty="0" err="1">
+                <a:cs typeface="Arial" panose="020B0604020202020204" pitchFamily="34" charset="0"/>
+              </a:rPr>
+              <a:t>trúc</a:t>
+            </a:r>
+            <a:r>
+              <a:rPr lang="vi-VN" dirty="0">
+                <a:cs typeface="Arial" panose="020B0604020202020204" pitchFamily="34" charset="0"/>
+              </a:rPr>
+              <a:t> </a:t>
+            </a:r>
+            <a:r>
+              <a:rPr lang="vi-VN" dirty="0" err="1">
+                <a:cs typeface="Arial" panose="020B0604020202020204" pitchFamily="34" charset="0"/>
+              </a:rPr>
+              <a:t>những</a:t>
+            </a:r>
+            <a:r>
+              <a:rPr lang="vi-VN" dirty="0">
+                <a:cs typeface="Arial" panose="020B0604020202020204" pitchFamily="34" charset="0"/>
+              </a:rPr>
+              <a:t> </a:t>
+            </a:r>
+            <a:r>
+              <a:rPr lang="vi-VN" dirty="0" err="1">
+                <a:cs typeface="Arial" panose="020B0604020202020204" pitchFamily="34" charset="0"/>
+              </a:rPr>
+              <a:t>đoạn</a:t>
+            </a:r>
+            <a:r>
+              <a:rPr lang="vi-VN" dirty="0">
+                <a:cs typeface="Arial" panose="020B0604020202020204" pitchFamily="34" charset="0"/>
+              </a:rPr>
+              <a:t> </a:t>
+            </a:r>
+            <a:r>
+              <a:rPr lang="vi-VN" dirty="0" err="1">
+                <a:cs typeface="Arial" panose="020B0604020202020204" pitchFamily="34" charset="0"/>
+              </a:rPr>
+              <a:t>code</a:t>
+            </a:r>
+            <a:r>
+              <a:rPr lang="vi-VN" dirty="0">
+                <a:cs typeface="Arial" panose="020B0604020202020204" pitchFamily="34" charset="0"/>
+              </a:rPr>
+              <a:t> </a:t>
+            </a:r>
+            <a:r>
+              <a:rPr lang="vi-VN" dirty="0" err="1">
+                <a:cs typeface="Arial" panose="020B0604020202020204" pitchFamily="34" charset="0"/>
+              </a:rPr>
+              <a:t>thành</a:t>
+            </a:r>
+            <a:r>
+              <a:rPr lang="vi-VN" dirty="0">
+                <a:cs typeface="Arial" panose="020B0604020202020204" pitchFamily="34" charset="0"/>
+              </a:rPr>
+              <a:t> </a:t>
+            </a:r>
+            <a:r>
+              <a:rPr lang="vi-VN" dirty="0" err="1">
+                <a:cs typeface="Arial" panose="020B0604020202020204" pitchFamily="34" charset="0"/>
+              </a:rPr>
+              <a:t>những</a:t>
+            </a:r>
+            <a:r>
+              <a:rPr lang="vi-VN" dirty="0">
+                <a:cs typeface="Arial" panose="020B0604020202020204" pitchFamily="34" charset="0"/>
+              </a:rPr>
+              <a:t> thư </a:t>
+            </a:r>
+            <a:r>
+              <a:rPr lang="vi-VN" dirty="0" err="1">
+                <a:cs typeface="Arial" panose="020B0604020202020204" pitchFamily="34" charset="0"/>
+              </a:rPr>
+              <a:t>viện</a:t>
+            </a:r>
+            <a:r>
+              <a:rPr lang="vi-VN" dirty="0">
+                <a:cs typeface="Arial" panose="020B0604020202020204" pitchFamily="34" charset="0"/>
+              </a:rPr>
+              <a:t> </a:t>
+            </a:r>
+            <a:r>
+              <a:rPr lang="vi-VN" dirty="0" err="1">
+                <a:cs typeface="Arial" panose="020B0604020202020204" pitchFamily="34" charset="0"/>
+              </a:rPr>
+              <a:t>để</a:t>
+            </a:r>
+            <a:r>
+              <a:rPr lang="en-US" dirty="0">
+                <a:cs typeface="Arial" panose="020B0604020202020204" pitchFamily="34" charset="0"/>
+              </a:rPr>
+              <a:t> </a:t>
+            </a:r>
+            <a:r>
+              <a:rPr lang="vi-VN" dirty="0" err="1">
+                <a:cs typeface="Arial" panose="020B0604020202020204" pitchFamily="34" charset="0"/>
+              </a:rPr>
+              <a:t>phục</a:t>
+            </a:r>
+            <a:r>
+              <a:rPr lang="vi-VN" dirty="0">
+                <a:cs typeface="Arial" panose="020B0604020202020204" pitchFamily="34" charset="0"/>
+              </a:rPr>
+              <a:t> </a:t>
+            </a:r>
+            <a:r>
+              <a:rPr lang="vi-VN" dirty="0" err="1">
+                <a:cs typeface="Arial" panose="020B0604020202020204" pitchFamily="34" charset="0"/>
+              </a:rPr>
+              <a:t>vụ</a:t>
+            </a:r>
+            <a:r>
+              <a:rPr lang="vi-VN" dirty="0">
+                <a:cs typeface="Arial" panose="020B0604020202020204" pitchFamily="34" charset="0"/>
+              </a:rPr>
+              <a:t> </a:t>
+            </a:r>
+            <a:r>
+              <a:rPr lang="vi-VN" dirty="0" err="1">
+                <a:cs typeface="Arial" panose="020B0604020202020204" pitchFamily="34" charset="0"/>
+              </a:rPr>
+              <a:t>mục</a:t>
+            </a:r>
+            <a:r>
+              <a:rPr lang="vi-VN" dirty="0">
+                <a:cs typeface="Arial" panose="020B0604020202020204" pitchFamily="34" charset="0"/>
+              </a:rPr>
+              <a:t> </a:t>
+            </a:r>
+            <a:r>
+              <a:rPr lang="vi-VN" dirty="0" err="1">
+                <a:cs typeface="Arial" panose="020B0604020202020204" pitchFamily="34" charset="0"/>
+              </a:rPr>
+              <a:t>đích</a:t>
+            </a:r>
+            <a:r>
+              <a:rPr lang="vi-VN" dirty="0">
+                <a:cs typeface="Arial" panose="020B0604020202020204" pitchFamily="34" charset="0"/>
+              </a:rPr>
+              <a:t> </a:t>
+            </a:r>
+            <a:r>
+              <a:rPr lang="vi-VN" dirty="0" err="1">
+                <a:cs typeface="Arial" panose="020B0604020202020204" pitchFamily="34" charset="0"/>
+              </a:rPr>
+              <a:t>tái</a:t>
+            </a:r>
+            <a:r>
+              <a:rPr lang="vi-VN" dirty="0">
+                <a:cs typeface="Arial" panose="020B0604020202020204" pitchFamily="34" charset="0"/>
+              </a:rPr>
+              <a:t> </a:t>
+            </a:r>
+            <a:r>
+              <a:rPr lang="vi-VN" dirty="0" err="1">
+                <a:cs typeface="Arial" panose="020B0604020202020204" pitchFamily="34" charset="0"/>
+              </a:rPr>
+              <a:t>sử</a:t>
+            </a:r>
+            <a:r>
+              <a:rPr lang="vi-VN" dirty="0">
+                <a:cs typeface="Arial" panose="020B0604020202020204" pitchFamily="34" charset="0"/>
+              </a:rPr>
+              <a:t> </a:t>
+            </a:r>
+            <a:r>
+              <a:rPr lang="vi-VN" dirty="0" err="1">
+                <a:cs typeface="Arial" panose="020B0604020202020204" pitchFamily="34" charset="0"/>
+              </a:rPr>
+              <a:t>dụng</a:t>
+            </a:r>
+            <a:endParaRPr lang="vi-VN" dirty="0">
               <a:latin typeface="Arial" panose="020B0604020202020204" pitchFamily="34" charset="0"/>
               <a:cs typeface="Arial" panose="020B0604020202020204" pitchFamily="34" charset="0"/>
             </a:endParaRPr>
@@ -11528,6 +12460,7 @@
             </a:extLst>
           </p:cNvPr>
           <p:cNvCxnSpPr>
+            <a:cxnSpLocks/>
             <a:stCxn id="10" idx="3"/>
             <a:endCxn id="17" idx="1"/>
           </p:cNvCxnSpPr>
@@ -11658,7 +12591,7 @@
         </p:nvSpPr>
         <p:spPr>
           <a:xfrm>
-            <a:off x="2194904" y="1394776"/>
+            <a:off x="2095797" y="1363425"/>
             <a:ext cx="5958902" cy="2333075"/>
           </a:xfrm>
           <a:prstGeom prst="roundRect">
@@ -11718,6 +12651,652 @@
   <p:clrMapOvr>
     <a:masterClrMapping/>
   </p:clrMapOvr>
+  <p:timing>
+    <p:tnLst>
+      <p:par>
+        <p:cTn id="1" dur="indefinite" restart="never" nodeType="tmRoot">
+          <p:childTnLst>
+            <p:seq concurrent="1" nextAc="seek">
+              <p:cTn id="2" dur="indefinite" nodeType="mainSeq">
+                <p:childTnLst>
+                  <p:par>
+                    <p:cTn id="3" fill="hold">
+                      <p:stCondLst>
+                        <p:cond delay="indefinite"/>
+                      </p:stCondLst>
+                      <p:childTnLst>
+                        <p:par>
+                          <p:cTn id="4" fill="hold">
+                            <p:stCondLst>
+                              <p:cond delay="0"/>
+                            </p:stCondLst>
+                            <p:childTnLst>
+                              <p:par>
+                                <p:cTn id="5" presetID="10" presetClass="entr" presetSubtype="0" fill="hold" grpId="0" nodeType="clickEffect">
+                                  <p:stCondLst>
+                                    <p:cond delay="0"/>
+                                  </p:stCondLst>
+                                  <p:childTnLst>
+                                    <p:set>
+                                      <p:cBhvr>
+                                        <p:cTn id="6" dur="1" fill="hold">
+                                          <p:stCondLst>
+                                            <p:cond delay="0"/>
+                                          </p:stCondLst>
+                                        </p:cTn>
+                                        <p:tgtEl>
+                                          <p:spTgt spid="10"/>
+                                        </p:tgtEl>
+                                        <p:attrNameLst>
+                                          <p:attrName>style.visibility</p:attrName>
+                                        </p:attrNameLst>
+                                      </p:cBhvr>
+                                      <p:to>
+                                        <p:strVal val="visible"/>
+                                      </p:to>
+                                    </p:set>
+                                    <p:animEffect transition="in" filter="fade">
+                                      <p:cBhvr>
+                                        <p:cTn id="7" dur="500"/>
+                                        <p:tgtEl>
+                                          <p:spTgt spid="10"/>
+                                        </p:tgtEl>
+                                      </p:cBhvr>
+                                    </p:animEffect>
+                                  </p:childTnLst>
+                                </p:cTn>
+                              </p:par>
+                            </p:childTnLst>
+                          </p:cTn>
+                        </p:par>
+                      </p:childTnLst>
+                    </p:cTn>
+                  </p:par>
+                  <p:par>
+                    <p:cTn id="8" fill="hold">
+                      <p:stCondLst>
+                        <p:cond delay="indefinite"/>
+                      </p:stCondLst>
+                      <p:childTnLst>
+                        <p:par>
+                          <p:cTn id="9" fill="hold">
+                            <p:stCondLst>
+                              <p:cond delay="0"/>
+                            </p:stCondLst>
+                            <p:childTnLst>
+                              <p:par>
+                                <p:cTn id="10" presetID="10" presetClass="entr" presetSubtype="0" fill="hold" nodeType="clickEffect">
+                                  <p:stCondLst>
+                                    <p:cond delay="0"/>
+                                  </p:stCondLst>
+                                  <p:childTnLst>
+                                    <p:set>
+                                      <p:cBhvr>
+                                        <p:cTn id="11" dur="1" fill="hold">
+                                          <p:stCondLst>
+                                            <p:cond delay="0"/>
+                                          </p:stCondLst>
+                                        </p:cTn>
+                                        <p:tgtEl>
+                                          <p:spTgt spid="11"/>
+                                        </p:tgtEl>
+                                        <p:attrNameLst>
+                                          <p:attrName>style.visibility</p:attrName>
+                                        </p:attrNameLst>
+                                      </p:cBhvr>
+                                      <p:to>
+                                        <p:strVal val="visible"/>
+                                      </p:to>
+                                    </p:set>
+                                    <p:animEffect transition="in" filter="fade">
+                                      <p:cBhvr>
+                                        <p:cTn id="12" dur="500"/>
+                                        <p:tgtEl>
+                                          <p:spTgt spid="11"/>
+                                        </p:tgtEl>
+                                      </p:cBhvr>
+                                    </p:animEffect>
+                                  </p:childTnLst>
+                                </p:cTn>
+                              </p:par>
+                              <p:par>
+                                <p:cTn id="13" presetID="10" presetClass="entr" presetSubtype="0" fill="hold" grpId="0" nodeType="withEffect">
+                                  <p:stCondLst>
+                                    <p:cond delay="0"/>
+                                  </p:stCondLst>
+                                  <p:childTnLst>
+                                    <p:set>
+                                      <p:cBhvr>
+                                        <p:cTn id="14" dur="1" fill="hold">
+                                          <p:stCondLst>
+                                            <p:cond delay="0"/>
+                                          </p:stCondLst>
+                                        </p:cTn>
+                                        <p:tgtEl>
+                                          <p:spTgt spid="16"/>
+                                        </p:tgtEl>
+                                        <p:attrNameLst>
+                                          <p:attrName>style.visibility</p:attrName>
+                                        </p:attrNameLst>
+                                      </p:cBhvr>
+                                      <p:to>
+                                        <p:strVal val="visible"/>
+                                      </p:to>
+                                    </p:set>
+                                    <p:animEffect transition="in" filter="fade">
+                                      <p:cBhvr>
+                                        <p:cTn id="15" dur="500"/>
+                                        <p:tgtEl>
+                                          <p:spTgt spid="16"/>
+                                        </p:tgtEl>
+                                      </p:cBhvr>
+                                    </p:animEffect>
+                                  </p:childTnLst>
+                                </p:cTn>
+                              </p:par>
+                            </p:childTnLst>
+                          </p:cTn>
+                        </p:par>
+                      </p:childTnLst>
+                    </p:cTn>
+                  </p:par>
+                  <p:par>
+                    <p:cTn id="16" fill="hold">
+                      <p:stCondLst>
+                        <p:cond delay="indefinite"/>
+                      </p:stCondLst>
+                      <p:childTnLst>
+                        <p:par>
+                          <p:cTn id="17" fill="hold">
+                            <p:stCondLst>
+                              <p:cond delay="0"/>
+                            </p:stCondLst>
+                            <p:childTnLst>
+                              <p:par>
+                                <p:cTn id="18" presetID="10" presetClass="entr" presetSubtype="0" fill="hold" nodeType="clickEffect">
+                                  <p:stCondLst>
+                                    <p:cond delay="0"/>
+                                  </p:stCondLst>
+                                  <p:childTnLst>
+                                    <p:set>
+                                      <p:cBhvr>
+                                        <p:cTn id="19" dur="1" fill="hold">
+                                          <p:stCondLst>
+                                            <p:cond delay="0"/>
+                                          </p:stCondLst>
+                                        </p:cTn>
+                                        <p:tgtEl>
+                                          <p:spTgt spid="3"/>
+                                        </p:tgtEl>
+                                        <p:attrNameLst>
+                                          <p:attrName>style.visibility</p:attrName>
+                                        </p:attrNameLst>
+                                      </p:cBhvr>
+                                      <p:to>
+                                        <p:strVal val="visible"/>
+                                      </p:to>
+                                    </p:set>
+                                    <p:animEffect transition="in" filter="fade">
+                                      <p:cBhvr>
+                                        <p:cTn id="20" dur="500"/>
+                                        <p:tgtEl>
+                                          <p:spTgt spid="3"/>
+                                        </p:tgtEl>
+                                      </p:cBhvr>
+                                    </p:animEffect>
+                                  </p:childTnLst>
+                                </p:cTn>
+                              </p:par>
+                              <p:par>
+                                <p:cTn id="21" presetID="10" presetClass="entr" presetSubtype="0" fill="hold" nodeType="withEffect">
+                                  <p:stCondLst>
+                                    <p:cond delay="0"/>
+                                  </p:stCondLst>
+                                  <p:childTnLst>
+                                    <p:set>
+                                      <p:cBhvr>
+                                        <p:cTn id="22" dur="1" fill="hold">
+                                          <p:stCondLst>
+                                            <p:cond delay="0"/>
+                                          </p:stCondLst>
+                                        </p:cTn>
+                                        <p:tgtEl>
+                                          <p:spTgt spid="13"/>
+                                        </p:tgtEl>
+                                        <p:attrNameLst>
+                                          <p:attrName>style.visibility</p:attrName>
+                                        </p:attrNameLst>
+                                      </p:cBhvr>
+                                      <p:to>
+                                        <p:strVal val="visible"/>
+                                      </p:to>
+                                    </p:set>
+                                    <p:animEffect transition="in" filter="fade">
+                                      <p:cBhvr>
+                                        <p:cTn id="23" dur="500"/>
+                                        <p:tgtEl>
+                                          <p:spTgt spid="13"/>
+                                        </p:tgtEl>
+                                      </p:cBhvr>
+                                    </p:animEffect>
+                                  </p:childTnLst>
+                                </p:cTn>
+                              </p:par>
+                            </p:childTnLst>
+                          </p:cTn>
+                        </p:par>
+                      </p:childTnLst>
+                    </p:cTn>
+                  </p:par>
+                  <p:par>
+                    <p:cTn id="24" fill="hold">
+                      <p:stCondLst>
+                        <p:cond delay="indefinite"/>
+                      </p:stCondLst>
+                      <p:childTnLst>
+                        <p:par>
+                          <p:cTn id="25" fill="hold">
+                            <p:stCondLst>
+                              <p:cond delay="0"/>
+                            </p:stCondLst>
+                            <p:childTnLst>
+                              <p:par>
+                                <p:cTn id="26" presetID="10" presetClass="entr" presetSubtype="0" fill="hold" grpId="0" nodeType="clickEffect">
+                                  <p:stCondLst>
+                                    <p:cond delay="0"/>
+                                  </p:stCondLst>
+                                  <p:childTnLst>
+                                    <p:set>
+                                      <p:cBhvr>
+                                        <p:cTn id="27" dur="1" fill="hold">
+                                          <p:stCondLst>
+                                            <p:cond delay="0"/>
+                                          </p:stCondLst>
+                                        </p:cTn>
+                                        <p:tgtEl>
+                                          <p:spTgt spid="23"/>
+                                        </p:tgtEl>
+                                        <p:attrNameLst>
+                                          <p:attrName>style.visibility</p:attrName>
+                                        </p:attrNameLst>
+                                      </p:cBhvr>
+                                      <p:to>
+                                        <p:strVal val="visible"/>
+                                      </p:to>
+                                    </p:set>
+                                    <p:animEffect transition="in" filter="fade">
+                                      <p:cBhvr>
+                                        <p:cTn id="28" dur="500"/>
+                                        <p:tgtEl>
+                                          <p:spTgt spid="23"/>
+                                        </p:tgtEl>
+                                      </p:cBhvr>
+                                    </p:animEffect>
+                                  </p:childTnLst>
+                                </p:cTn>
+                              </p:par>
+                              <p:par>
+                                <p:cTn id="29" presetID="10" presetClass="entr" presetSubtype="0" fill="hold" nodeType="withEffect">
+                                  <p:stCondLst>
+                                    <p:cond delay="0"/>
+                                  </p:stCondLst>
+                                  <p:childTnLst>
+                                    <p:set>
+                                      <p:cBhvr>
+                                        <p:cTn id="30" dur="1" fill="hold">
+                                          <p:stCondLst>
+                                            <p:cond delay="0"/>
+                                          </p:stCondLst>
+                                        </p:cTn>
+                                        <p:tgtEl>
+                                          <p:spTgt spid="19"/>
+                                        </p:tgtEl>
+                                        <p:attrNameLst>
+                                          <p:attrName>style.visibility</p:attrName>
+                                        </p:attrNameLst>
+                                      </p:cBhvr>
+                                      <p:to>
+                                        <p:strVal val="visible"/>
+                                      </p:to>
+                                    </p:set>
+                                    <p:animEffect transition="in" filter="fade">
+                                      <p:cBhvr>
+                                        <p:cTn id="31" dur="500"/>
+                                        <p:tgtEl>
+                                          <p:spTgt spid="19"/>
+                                        </p:tgtEl>
+                                      </p:cBhvr>
+                                    </p:animEffect>
+                                  </p:childTnLst>
+                                </p:cTn>
+                              </p:par>
+                              <p:par>
+                                <p:cTn id="32" presetID="10" presetClass="entr" presetSubtype="0" fill="hold" grpId="0" nodeType="withEffect">
+                                  <p:stCondLst>
+                                    <p:cond delay="0"/>
+                                  </p:stCondLst>
+                                  <p:childTnLst>
+                                    <p:set>
+                                      <p:cBhvr>
+                                        <p:cTn id="33" dur="1" fill="hold">
+                                          <p:stCondLst>
+                                            <p:cond delay="0"/>
+                                          </p:stCondLst>
+                                        </p:cTn>
+                                        <p:tgtEl>
+                                          <p:spTgt spid="22"/>
+                                        </p:tgtEl>
+                                        <p:attrNameLst>
+                                          <p:attrName>style.visibility</p:attrName>
+                                        </p:attrNameLst>
+                                      </p:cBhvr>
+                                      <p:to>
+                                        <p:strVal val="visible"/>
+                                      </p:to>
+                                    </p:set>
+                                    <p:animEffect transition="in" filter="fade">
+                                      <p:cBhvr>
+                                        <p:cTn id="34" dur="500"/>
+                                        <p:tgtEl>
+                                          <p:spTgt spid="22"/>
+                                        </p:tgtEl>
+                                      </p:cBhvr>
+                                    </p:animEffect>
+                                  </p:childTnLst>
+                                </p:cTn>
+                              </p:par>
+                              <p:par>
+                                <p:cTn id="35" presetID="10" presetClass="entr" presetSubtype="0" fill="hold" nodeType="withEffect">
+                                  <p:stCondLst>
+                                    <p:cond delay="0"/>
+                                  </p:stCondLst>
+                                  <p:childTnLst>
+                                    <p:set>
+                                      <p:cBhvr>
+                                        <p:cTn id="36" dur="1" fill="hold">
+                                          <p:stCondLst>
+                                            <p:cond delay="0"/>
+                                          </p:stCondLst>
+                                        </p:cTn>
+                                        <p:tgtEl>
+                                          <p:spTgt spid="24"/>
+                                        </p:tgtEl>
+                                        <p:attrNameLst>
+                                          <p:attrName>style.visibility</p:attrName>
+                                        </p:attrNameLst>
+                                      </p:cBhvr>
+                                      <p:to>
+                                        <p:strVal val="visible"/>
+                                      </p:to>
+                                    </p:set>
+                                    <p:animEffect transition="in" filter="fade">
+                                      <p:cBhvr>
+                                        <p:cTn id="37" dur="500"/>
+                                        <p:tgtEl>
+                                          <p:spTgt spid="24"/>
+                                        </p:tgtEl>
+                                      </p:cBhvr>
+                                    </p:animEffect>
+                                  </p:childTnLst>
+                                </p:cTn>
+                              </p:par>
+                            </p:childTnLst>
+                          </p:cTn>
+                        </p:par>
+                      </p:childTnLst>
+                    </p:cTn>
+                  </p:par>
+                </p:childTnLst>
+              </p:cTn>
+              <p:prevCondLst>
+                <p:cond evt="onPrev" delay="0">
+                  <p:tgtEl>
+                    <p:sldTgt/>
+                  </p:tgtEl>
+                </p:cond>
+              </p:prevCondLst>
+              <p:nextCondLst>
+                <p:cond evt="onNext" delay="0">
+                  <p:tgtEl>
+                    <p:sldTgt/>
+                  </p:tgtEl>
+                </p:cond>
+              </p:nextCondLst>
+            </p:seq>
+            <p:seq concurrent="1" nextAc="seek">
+              <p:cTn id="38" restart="whenNotActive" fill="hold" evtFilter="cancelBubble" nodeType="interactiveSeq">
+                <p:stCondLst>
+                  <p:cond evt="onClick" delay="0">
+                    <p:tgtEl>
+                      <p:spTgt spid="3"/>
+                    </p:tgtEl>
+                  </p:cond>
+                </p:stCondLst>
+                <p:endSync evt="end" delay="0">
+                  <p:rtn val="all"/>
+                </p:endSync>
+                <p:childTnLst>
+                  <p:par>
+                    <p:cTn id="39" fill="hold">
+                      <p:stCondLst>
+                        <p:cond delay="0"/>
+                      </p:stCondLst>
+                      <p:childTnLst>
+                        <p:par>
+                          <p:cTn id="40" fill="hold">
+                            <p:stCondLst>
+                              <p:cond delay="0"/>
+                            </p:stCondLst>
+                            <p:childTnLst>
+                              <p:par>
+                                <p:cTn id="41" presetID="42" presetClass="entr" presetSubtype="0" fill="hold" grpId="0" nodeType="clickEffect">
+                                  <p:stCondLst>
+                                    <p:cond delay="0"/>
+                                  </p:stCondLst>
+                                  <p:childTnLst>
+                                    <p:set>
+                                      <p:cBhvr>
+                                        <p:cTn id="42" dur="1" fill="hold">
+                                          <p:stCondLst>
+                                            <p:cond delay="0"/>
+                                          </p:stCondLst>
+                                        </p:cTn>
+                                        <p:tgtEl>
+                                          <p:spTgt spid="6"/>
+                                        </p:tgtEl>
+                                        <p:attrNameLst>
+                                          <p:attrName>style.visibility</p:attrName>
+                                        </p:attrNameLst>
+                                      </p:cBhvr>
+                                      <p:to>
+                                        <p:strVal val="visible"/>
+                                      </p:to>
+                                    </p:set>
+                                    <p:animEffect transition="in" filter="fade">
+                                      <p:cBhvr>
+                                        <p:cTn id="43" dur="1000"/>
+                                        <p:tgtEl>
+                                          <p:spTgt spid="6"/>
+                                        </p:tgtEl>
+                                      </p:cBhvr>
+                                    </p:animEffect>
+                                    <p:anim calcmode="lin" valueType="num">
+                                      <p:cBhvr>
+                                        <p:cTn id="44" dur="1000" fill="hold"/>
+                                        <p:tgtEl>
+                                          <p:spTgt spid="6"/>
+                                        </p:tgtEl>
+                                        <p:attrNameLst>
+                                          <p:attrName>ppt_x</p:attrName>
+                                        </p:attrNameLst>
+                                      </p:cBhvr>
+                                      <p:tavLst>
+                                        <p:tav tm="0">
+                                          <p:val>
+                                            <p:strVal val="#ppt_x"/>
+                                          </p:val>
+                                        </p:tav>
+                                        <p:tav tm="100000">
+                                          <p:val>
+                                            <p:strVal val="#ppt_x"/>
+                                          </p:val>
+                                        </p:tav>
+                                      </p:tavLst>
+                                    </p:anim>
+                                    <p:anim calcmode="lin" valueType="num">
+                                      <p:cBhvr>
+                                        <p:cTn id="45" dur="1000" fill="hold"/>
+                                        <p:tgtEl>
+                                          <p:spTgt spid="6"/>
+                                        </p:tgtEl>
+                                        <p:attrNameLst>
+                                          <p:attrName>ppt_y</p:attrName>
+                                        </p:attrNameLst>
+                                      </p:cBhvr>
+                                      <p:tavLst>
+                                        <p:tav tm="0">
+                                          <p:val>
+                                            <p:strVal val="#ppt_y+.1"/>
+                                          </p:val>
+                                        </p:tav>
+                                        <p:tav tm="100000">
+                                          <p:val>
+                                            <p:strVal val="#ppt_y"/>
+                                          </p:val>
+                                        </p:tav>
+                                      </p:tavLst>
+                                    </p:anim>
+                                  </p:childTnLst>
+                                </p:cTn>
+                              </p:par>
+                            </p:childTnLst>
+                          </p:cTn>
+                        </p:par>
+                      </p:childTnLst>
+                    </p:cTn>
+                  </p:par>
+                  <p:par>
+                    <p:cTn id="46" fill="hold">
+                      <p:stCondLst>
+                        <p:cond delay="indefinite"/>
+                      </p:stCondLst>
+                      <p:childTnLst>
+                        <p:par>
+                          <p:cTn id="47" fill="hold">
+                            <p:stCondLst>
+                              <p:cond delay="0"/>
+                            </p:stCondLst>
+                            <p:childTnLst>
+                              <p:par>
+                                <p:cTn id="48" presetID="42" presetClass="exit" presetSubtype="0" fill="hold" grpId="1" nodeType="clickEffect">
+                                  <p:stCondLst>
+                                    <p:cond delay="0"/>
+                                  </p:stCondLst>
+                                  <p:childTnLst>
+                                    <p:animEffect transition="out" filter="fade">
+                                      <p:cBhvr>
+                                        <p:cTn id="49" dur="1000"/>
+                                        <p:tgtEl>
+                                          <p:spTgt spid="6"/>
+                                        </p:tgtEl>
+                                      </p:cBhvr>
+                                    </p:animEffect>
+                                    <p:anim calcmode="lin" valueType="num">
+                                      <p:cBhvr>
+                                        <p:cTn id="50" dur="1000"/>
+                                        <p:tgtEl>
+                                          <p:spTgt spid="6"/>
+                                        </p:tgtEl>
+                                        <p:attrNameLst>
+                                          <p:attrName>ppt_x</p:attrName>
+                                        </p:attrNameLst>
+                                      </p:cBhvr>
+                                      <p:tavLst>
+                                        <p:tav tm="0">
+                                          <p:val>
+                                            <p:strVal val="ppt_x"/>
+                                          </p:val>
+                                        </p:tav>
+                                        <p:tav tm="100000">
+                                          <p:val>
+                                            <p:strVal val="ppt_x"/>
+                                          </p:val>
+                                        </p:tav>
+                                      </p:tavLst>
+                                    </p:anim>
+                                    <p:anim calcmode="lin" valueType="num">
+                                      <p:cBhvr>
+                                        <p:cTn id="51" dur="1000"/>
+                                        <p:tgtEl>
+                                          <p:spTgt spid="6"/>
+                                        </p:tgtEl>
+                                        <p:attrNameLst>
+                                          <p:attrName>ppt_y</p:attrName>
+                                        </p:attrNameLst>
+                                      </p:cBhvr>
+                                      <p:tavLst>
+                                        <p:tav tm="0">
+                                          <p:val>
+                                            <p:strVal val="ppt_y"/>
+                                          </p:val>
+                                        </p:tav>
+                                        <p:tav tm="100000">
+                                          <p:val>
+                                            <p:strVal val="ppt_y+.1"/>
+                                          </p:val>
+                                        </p:tav>
+                                      </p:tavLst>
+                                    </p:anim>
+                                    <p:set>
+                                      <p:cBhvr>
+                                        <p:cTn id="52" dur="1" fill="hold">
+                                          <p:stCondLst>
+                                            <p:cond delay="999"/>
+                                          </p:stCondLst>
+                                        </p:cTn>
+                                        <p:tgtEl>
+                                          <p:spTgt spid="6"/>
+                                        </p:tgtEl>
+                                        <p:attrNameLst>
+                                          <p:attrName>style.visibility</p:attrName>
+                                        </p:attrNameLst>
+                                      </p:cBhvr>
+                                      <p:to>
+                                        <p:strVal val="hidden"/>
+                                      </p:to>
+                                    </p:set>
+                                  </p:childTnLst>
+                                </p:cTn>
+                              </p:par>
+                            </p:childTnLst>
+                          </p:cTn>
+                        </p:par>
+                      </p:childTnLst>
+                    </p:cTn>
+                  </p:par>
+                </p:childTnLst>
+              </p:cTn>
+              <p:nextCondLst>
+                <p:cond evt="onClick" delay="0">
+                  <p:tgtEl>
+                    <p:spTgt spid="3"/>
+                  </p:tgtEl>
+                </p:cond>
+              </p:nextCondLst>
+            </p:seq>
+          </p:childTnLst>
+        </p:cTn>
+      </p:par>
+    </p:tnLst>
+    <p:bldLst>
+      <p:bldP spid="10" grpId="0" animBg="1"/>
+      <p:bldP spid="16" grpId="0" animBg="1"/>
+      <p:bldP spid="22" grpId="0" animBg="1"/>
+      <p:bldP spid="23" grpId="0" animBg="1"/>
+      <p:bldP spid="6" grpId="0" animBg="1"/>
+      <p:bldP spid="6" grpId="1" animBg="1"/>
+    </p:bldLst>
+  </p:timing>
 </p:sld>
 </file>
 
@@ -12286,22 +13865,89 @@
           <a:p>
             <a:pPr algn="ctr"/>
             <a:r>
-              <a:rPr lang="en-US">
+              <a:rPr lang="en-US" dirty="0" err="1">
                 <a:latin typeface="Arial" panose="020B0604020202020204" pitchFamily="34" charset="0"/>
                 <a:cs typeface="Arial" panose="020B0604020202020204" pitchFamily="34" charset="0"/>
               </a:rPr>
-              <a:t>Hỗ trợ framework: </a:t>
+              <a:t>Hỗ</a:t>
+            </a:r>
+            <a:r>
+              <a:rPr lang="en-US" dirty="0">
+                <a:latin typeface="Arial" panose="020B0604020202020204" pitchFamily="34" charset="0"/>
+                <a:cs typeface="Arial" panose="020B0604020202020204" pitchFamily="34" charset="0"/>
+              </a:rPr>
+              <a:t> </a:t>
+            </a:r>
+            <a:r>
+              <a:rPr lang="en-US" dirty="0" err="1">
+                <a:latin typeface="Arial" panose="020B0604020202020204" pitchFamily="34" charset="0"/>
+                <a:cs typeface="Arial" panose="020B0604020202020204" pitchFamily="34" charset="0"/>
+              </a:rPr>
+              <a:t>trợ</a:t>
+            </a:r>
+            <a:r>
+              <a:rPr lang="en-US" dirty="0">
+                <a:latin typeface="Arial" panose="020B0604020202020204" pitchFamily="34" charset="0"/>
+                <a:cs typeface="Arial" panose="020B0604020202020204" pitchFamily="34" charset="0"/>
+              </a:rPr>
+              <a:t> framework: </a:t>
             </a:r>
           </a:p>
           <a:p>
             <a:pPr algn="ctr"/>
             <a:r>
-              <a:rPr lang="vi-VN">
+              <a:rPr lang="vi-VN" dirty="0" err="1">
                 <a:latin typeface="Arial" panose="020B0604020202020204" pitchFamily="34" charset="0"/>
                 <a:cs typeface="Arial" panose="020B0604020202020204" pitchFamily="34" charset="0"/>
               </a:rPr>
-              <a:t>Cucumber, RSpec, Test/Unit</a:t>
-            </a:r>
+              <a:t>Cucumber</a:t>
+            </a:r>
+            <a:r>
+              <a:rPr lang="vi-VN" dirty="0">
+                <a:latin typeface="Arial" panose="020B0604020202020204" pitchFamily="34" charset="0"/>
+                <a:cs typeface="Arial" panose="020B0604020202020204" pitchFamily="34" charset="0"/>
+              </a:rPr>
+              <a:t>, </a:t>
+            </a:r>
+            <a:r>
+              <a:rPr lang="vi-VN" dirty="0" err="1">
+                <a:latin typeface="Arial" panose="020B0604020202020204" pitchFamily="34" charset="0"/>
+                <a:cs typeface="Arial" panose="020B0604020202020204" pitchFamily="34" charset="0"/>
+              </a:rPr>
+              <a:t>RSpec</a:t>
+            </a:r>
+            <a:r>
+              <a:rPr lang="vi-VN" dirty="0">
+                <a:latin typeface="Arial" panose="020B0604020202020204" pitchFamily="34" charset="0"/>
+                <a:cs typeface="Arial" panose="020B0604020202020204" pitchFamily="34" charset="0"/>
+              </a:rPr>
+              <a:t>, </a:t>
+            </a:r>
+            <a:r>
+              <a:rPr lang="vi-VN" dirty="0" err="1">
+                <a:latin typeface="Arial" panose="020B0604020202020204" pitchFamily="34" charset="0"/>
+                <a:cs typeface="Arial" panose="020B0604020202020204" pitchFamily="34" charset="0"/>
+              </a:rPr>
+              <a:t>Test</a:t>
+            </a:r>
+            <a:r>
+              <a:rPr lang="vi-VN" dirty="0">
+                <a:latin typeface="Arial" panose="020B0604020202020204" pitchFamily="34" charset="0"/>
+                <a:cs typeface="Arial" panose="020B0604020202020204" pitchFamily="34" charset="0"/>
+              </a:rPr>
+              <a:t>/</a:t>
+            </a:r>
+            <a:r>
+              <a:rPr lang="vi-VN" dirty="0" err="1">
+                <a:latin typeface="Arial" panose="020B0604020202020204" pitchFamily="34" charset="0"/>
+                <a:cs typeface="Arial" panose="020B0604020202020204" pitchFamily="34" charset="0"/>
+              </a:rPr>
+              <a:t>Unit</a:t>
+            </a:r>
+            <a:endParaRPr lang="vi-VN" dirty="0">
+              <a:latin typeface="Arial" panose="020B0604020202020204" pitchFamily="34" charset="0"/>
+              <a:cs typeface="Arial" panose="020B0604020202020204" pitchFamily="34" charset="0"/>
+            </a:endParaRPr>
           </a:p>
         </p:txBody>
       </p:sp>
@@ -12606,6 +14252,690 @@
   <p:clrMapOvr>
     <a:masterClrMapping/>
   </p:clrMapOvr>
+  <p:timing>
+    <p:tnLst>
+      <p:par>
+        <p:cTn id="1" dur="indefinite" restart="never" nodeType="tmRoot">
+          <p:childTnLst>
+            <p:seq concurrent="1" nextAc="seek">
+              <p:cTn id="2" dur="indefinite" nodeType="mainSeq">
+                <p:childTnLst>
+                  <p:par>
+                    <p:cTn id="3" fill="hold">
+                      <p:stCondLst>
+                        <p:cond delay="indefinite"/>
+                      </p:stCondLst>
+                      <p:childTnLst>
+                        <p:par>
+                          <p:cTn id="4" fill="hold">
+                            <p:stCondLst>
+                              <p:cond delay="0"/>
+                            </p:stCondLst>
+                            <p:childTnLst>
+                              <p:par>
+                                <p:cTn id="5" presetID="1" presetClass="entr" presetSubtype="0" fill="hold" nodeType="clickEffect">
+                                  <p:stCondLst>
+                                    <p:cond delay="0"/>
+                                  </p:stCondLst>
+                                  <p:childTnLst>
+                                    <p:set>
+                                      <p:cBhvr>
+                                        <p:cTn id="6" dur="1" fill="hold">
+                                          <p:stCondLst>
+                                            <p:cond delay="0"/>
+                                          </p:stCondLst>
+                                        </p:cTn>
+                                        <p:tgtEl>
+                                          <p:spTgt spid="7"/>
+                                        </p:tgtEl>
+                                        <p:attrNameLst>
+                                          <p:attrName>style.visibility</p:attrName>
+                                        </p:attrNameLst>
+                                      </p:cBhvr>
+                                      <p:to>
+                                        <p:strVal val="visible"/>
+                                      </p:to>
+                                    </p:set>
+                                  </p:childTnLst>
+                                </p:cTn>
+                              </p:par>
+                            </p:childTnLst>
+                          </p:cTn>
+                        </p:par>
+                      </p:childTnLst>
+                    </p:cTn>
+                  </p:par>
+                  <p:par>
+                    <p:cTn id="7" fill="hold">
+                      <p:stCondLst>
+                        <p:cond delay="indefinite"/>
+                      </p:stCondLst>
+                      <p:childTnLst>
+                        <p:par>
+                          <p:cTn id="8" fill="hold">
+                            <p:stCondLst>
+                              <p:cond delay="0"/>
+                            </p:stCondLst>
+                            <p:childTnLst>
+                              <p:par>
+                                <p:cTn id="9" presetID="10" presetClass="entr" presetSubtype="0" fill="hold" grpId="0" nodeType="clickEffect">
+                                  <p:stCondLst>
+                                    <p:cond delay="0"/>
+                                  </p:stCondLst>
+                                  <p:childTnLst>
+                                    <p:set>
+                                      <p:cBhvr>
+                                        <p:cTn id="10" dur="1" fill="hold">
+                                          <p:stCondLst>
+                                            <p:cond delay="0"/>
+                                          </p:stCondLst>
+                                        </p:cTn>
+                                        <p:tgtEl>
+                                          <p:spTgt spid="16"/>
+                                        </p:tgtEl>
+                                        <p:attrNameLst>
+                                          <p:attrName>style.visibility</p:attrName>
+                                        </p:attrNameLst>
+                                      </p:cBhvr>
+                                      <p:to>
+                                        <p:strVal val="visible"/>
+                                      </p:to>
+                                    </p:set>
+                                    <p:animEffect transition="in" filter="fade">
+                                      <p:cBhvr>
+                                        <p:cTn id="11" dur="500"/>
+                                        <p:tgtEl>
+                                          <p:spTgt spid="16"/>
+                                        </p:tgtEl>
+                                      </p:cBhvr>
+                                    </p:animEffect>
+                                  </p:childTnLst>
+                                </p:cTn>
+                              </p:par>
+                            </p:childTnLst>
+                          </p:cTn>
+                        </p:par>
+                      </p:childTnLst>
+                    </p:cTn>
+                  </p:par>
+                  <p:par>
+                    <p:cTn id="12" fill="hold">
+                      <p:stCondLst>
+                        <p:cond delay="indefinite"/>
+                      </p:stCondLst>
+                      <p:childTnLst>
+                        <p:par>
+                          <p:cTn id="13" fill="hold">
+                            <p:stCondLst>
+                              <p:cond delay="0"/>
+                            </p:stCondLst>
+                            <p:childTnLst>
+                              <p:par>
+                                <p:cTn id="14" presetID="10" presetClass="entr" presetSubtype="0" fill="hold" grpId="0" nodeType="clickEffect">
+                                  <p:stCondLst>
+                                    <p:cond delay="0"/>
+                                  </p:stCondLst>
+                                  <p:childTnLst>
+                                    <p:set>
+                                      <p:cBhvr>
+                                        <p:cTn id="15" dur="1" fill="hold">
+                                          <p:stCondLst>
+                                            <p:cond delay="0"/>
+                                          </p:stCondLst>
+                                        </p:cTn>
+                                        <p:tgtEl>
+                                          <p:spTgt spid="17"/>
+                                        </p:tgtEl>
+                                        <p:attrNameLst>
+                                          <p:attrName>style.visibility</p:attrName>
+                                        </p:attrNameLst>
+                                      </p:cBhvr>
+                                      <p:to>
+                                        <p:strVal val="visible"/>
+                                      </p:to>
+                                    </p:set>
+                                    <p:animEffect transition="in" filter="fade">
+                                      <p:cBhvr>
+                                        <p:cTn id="16" dur="500"/>
+                                        <p:tgtEl>
+                                          <p:spTgt spid="17"/>
+                                        </p:tgtEl>
+                                      </p:cBhvr>
+                                    </p:animEffect>
+                                  </p:childTnLst>
+                                </p:cTn>
+                              </p:par>
+                            </p:childTnLst>
+                          </p:cTn>
+                        </p:par>
+                      </p:childTnLst>
+                    </p:cTn>
+                  </p:par>
+                  <p:par>
+                    <p:cTn id="17" fill="hold">
+                      <p:stCondLst>
+                        <p:cond delay="indefinite"/>
+                      </p:stCondLst>
+                      <p:childTnLst>
+                        <p:par>
+                          <p:cTn id="18" fill="hold">
+                            <p:stCondLst>
+                              <p:cond delay="0"/>
+                            </p:stCondLst>
+                            <p:childTnLst>
+                              <p:par>
+                                <p:cTn id="19" presetID="10" presetClass="entr" presetSubtype="0" fill="hold" grpId="0" nodeType="clickEffect">
+                                  <p:stCondLst>
+                                    <p:cond delay="0"/>
+                                  </p:stCondLst>
+                                  <p:childTnLst>
+                                    <p:set>
+                                      <p:cBhvr>
+                                        <p:cTn id="20" dur="1" fill="hold">
+                                          <p:stCondLst>
+                                            <p:cond delay="0"/>
+                                          </p:stCondLst>
+                                        </p:cTn>
+                                        <p:tgtEl>
+                                          <p:spTgt spid="18"/>
+                                        </p:tgtEl>
+                                        <p:attrNameLst>
+                                          <p:attrName>style.visibility</p:attrName>
+                                        </p:attrNameLst>
+                                      </p:cBhvr>
+                                      <p:to>
+                                        <p:strVal val="visible"/>
+                                      </p:to>
+                                    </p:set>
+                                    <p:animEffect transition="in" filter="fade">
+                                      <p:cBhvr>
+                                        <p:cTn id="21" dur="500"/>
+                                        <p:tgtEl>
+                                          <p:spTgt spid="18"/>
+                                        </p:tgtEl>
+                                      </p:cBhvr>
+                                    </p:animEffect>
+                                  </p:childTnLst>
+                                </p:cTn>
+                              </p:par>
+                            </p:childTnLst>
+                          </p:cTn>
+                        </p:par>
+                      </p:childTnLst>
+                    </p:cTn>
+                  </p:par>
+                  <p:par>
+                    <p:cTn id="22" fill="hold">
+                      <p:stCondLst>
+                        <p:cond delay="indefinite"/>
+                      </p:stCondLst>
+                      <p:childTnLst>
+                        <p:par>
+                          <p:cTn id="23" fill="hold">
+                            <p:stCondLst>
+                              <p:cond delay="0"/>
+                            </p:stCondLst>
+                            <p:childTnLst>
+                              <p:par>
+                                <p:cTn id="24" presetID="10" presetClass="entr" presetSubtype="0" fill="hold" nodeType="clickEffect">
+                                  <p:stCondLst>
+                                    <p:cond delay="0"/>
+                                  </p:stCondLst>
+                                  <p:childTnLst>
+                                    <p:set>
+                                      <p:cBhvr>
+                                        <p:cTn id="25" dur="1" fill="hold">
+                                          <p:stCondLst>
+                                            <p:cond delay="0"/>
+                                          </p:stCondLst>
+                                        </p:cTn>
+                                        <p:tgtEl>
+                                          <p:spTgt spid="23"/>
+                                        </p:tgtEl>
+                                        <p:attrNameLst>
+                                          <p:attrName>style.visibility</p:attrName>
+                                        </p:attrNameLst>
+                                      </p:cBhvr>
+                                      <p:to>
+                                        <p:strVal val="visible"/>
+                                      </p:to>
+                                    </p:set>
+                                    <p:animEffect transition="in" filter="fade">
+                                      <p:cBhvr>
+                                        <p:cTn id="26" dur="500"/>
+                                        <p:tgtEl>
+                                          <p:spTgt spid="23"/>
+                                        </p:tgtEl>
+                                      </p:cBhvr>
+                                    </p:animEffect>
+                                  </p:childTnLst>
+                                </p:cTn>
+                              </p:par>
+                            </p:childTnLst>
+                          </p:cTn>
+                        </p:par>
+                      </p:childTnLst>
+                    </p:cTn>
+                  </p:par>
+                  <p:par>
+                    <p:cTn id="27" fill="hold">
+                      <p:stCondLst>
+                        <p:cond delay="indefinite"/>
+                      </p:stCondLst>
+                      <p:childTnLst>
+                        <p:par>
+                          <p:cTn id="28" fill="hold">
+                            <p:stCondLst>
+                              <p:cond delay="0"/>
+                            </p:stCondLst>
+                            <p:childTnLst>
+                              <p:par>
+                                <p:cTn id="29" presetID="10" presetClass="entr" presetSubtype="0" fill="hold" grpId="0" nodeType="clickEffect">
+                                  <p:stCondLst>
+                                    <p:cond delay="0"/>
+                                  </p:stCondLst>
+                                  <p:childTnLst>
+                                    <p:set>
+                                      <p:cBhvr>
+                                        <p:cTn id="30" dur="1" fill="hold">
+                                          <p:stCondLst>
+                                            <p:cond delay="0"/>
+                                          </p:stCondLst>
+                                        </p:cTn>
+                                        <p:tgtEl>
+                                          <p:spTgt spid="31"/>
+                                        </p:tgtEl>
+                                        <p:attrNameLst>
+                                          <p:attrName>style.visibility</p:attrName>
+                                        </p:attrNameLst>
+                                      </p:cBhvr>
+                                      <p:to>
+                                        <p:strVal val="visible"/>
+                                      </p:to>
+                                    </p:set>
+                                    <p:animEffect transition="in" filter="fade">
+                                      <p:cBhvr>
+                                        <p:cTn id="31" dur="500"/>
+                                        <p:tgtEl>
+                                          <p:spTgt spid="31"/>
+                                        </p:tgtEl>
+                                      </p:cBhvr>
+                                    </p:animEffect>
+                                  </p:childTnLst>
+                                </p:cTn>
+                              </p:par>
+                            </p:childTnLst>
+                          </p:cTn>
+                        </p:par>
+                      </p:childTnLst>
+                    </p:cTn>
+                  </p:par>
+                  <p:par>
+                    <p:cTn id="32" fill="hold">
+                      <p:stCondLst>
+                        <p:cond delay="indefinite"/>
+                      </p:stCondLst>
+                      <p:childTnLst>
+                        <p:par>
+                          <p:cTn id="33" fill="hold">
+                            <p:stCondLst>
+                              <p:cond delay="0"/>
+                            </p:stCondLst>
+                            <p:childTnLst>
+                              <p:par>
+                                <p:cTn id="34" presetID="10" presetClass="entr" presetSubtype="0" fill="hold" nodeType="clickEffect">
+                                  <p:stCondLst>
+                                    <p:cond delay="0"/>
+                                  </p:stCondLst>
+                                  <p:childTnLst>
+                                    <p:set>
+                                      <p:cBhvr>
+                                        <p:cTn id="35" dur="1" fill="hold">
+                                          <p:stCondLst>
+                                            <p:cond delay="0"/>
+                                          </p:stCondLst>
+                                        </p:cTn>
+                                        <p:tgtEl>
+                                          <p:spTgt spid="25"/>
+                                        </p:tgtEl>
+                                        <p:attrNameLst>
+                                          <p:attrName>style.visibility</p:attrName>
+                                        </p:attrNameLst>
+                                      </p:cBhvr>
+                                      <p:to>
+                                        <p:strVal val="visible"/>
+                                      </p:to>
+                                    </p:set>
+                                    <p:animEffect transition="in" filter="fade">
+                                      <p:cBhvr>
+                                        <p:cTn id="36" dur="500"/>
+                                        <p:tgtEl>
+                                          <p:spTgt spid="25"/>
+                                        </p:tgtEl>
+                                      </p:cBhvr>
+                                    </p:animEffect>
+                                  </p:childTnLst>
+                                </p:cTn>
+                              </p:par>
+                            </p:childTnLst>
+                          </p:cTn>
+                        </p:par>
+                      </p:childTnLst>
+                    </p:cTn>
+                  </p:par>
+                  <p:par>
+                    <p:cTn id="37" fill="hold">
+                      <p:stCondLst>
+                        <p:cond delay="indefinite"/>
+                      </p:stCondLst>
+                      <p:childTnLst>
+                        <p:par>
+                          <p:cTn id="38" fill="hold">
+                            <p:stCondLst>
+                              <p:cond delay="0"/>
+                            </p:stCondLst>
+                            <p:childTnLst>
+                              <p:par>
+                                <p:cTn id="39" presetID="10" presetClass="entr" presetSubtype="0" fill="hold" grpId="0" nodeType="clickEffect">
+                                  <p:stCondLst>
+                                    <p:cond delay="0"/>
+                                  </p:stCondLst>
+                                  <p:childTnLst>
+                                    <p:set>
+                                      <p:cBhvr>
+                                        <p:cTn id="40" dur="1" fill="hold">
+                                          <p:stCondLst>
+                                            <p:cond delay="0"/>
+                                          </p:stCondLst>
+                                        </p:cTn>
+                                        <p:tgtEl>
+                                          <p:spTgt spid="38"/>
+                                        </p:tgtEl>
+                                        <p:attrNameLst>
+                                          <p:attrName>style.visibility</p:attrName>
+                                        </p:attrNameLst>
+                                      </p:cBhvr>
+                                      <p:to>
+                                        <p:strVal val="visible"/>
+                                      </p:to>
+                                    </p:set>
+                                    <p:animEffect transition="in" filter="fade">
+                                      <p:cBhvr>
+                                        <p:cTn id="41" dur="500"/>
+                                        <p:tgtEl>
+                                          <p:spTgt spid="38"/>
+                                        </p:tgtEl>
+                                      </p:cBhvr>
+                                    </p:animEffect>
+                                  </p:childTnLst>
+                                </p:cTn>
+                              </p:par>
+                            </p:childTnLst>
+                          </p:cTn>
+                        </p:par>
+                      </p:childTnLst>
+                    </p:cTn>
+                  </p:par>
+                  <p:par>
+                    <p:cTn id="42" fill="hold">
+                      <p:stCondLst>
+                        <p:cond delay="indefinite"/>
+                      </p:stCondLst>
+                      <p:childTnLst>
+                        <p:par>
+                          <p:cTn id="43" fill="hold">
+                            <p:stCondLst>
+                              <p:cond delay="0"/>
+                            </p:stCondLst>
+                            <p:childTnLst>
+                              <p:par>
+                                <p:cTn id="44" presetID="10" presetClass="entr" presetSubtype="0" fill="hold" grpId="0" nodeType="clickEffect">
+                                  <p:stCondLst>
+                                    <p:cond delay="0"/>
+                                  </p:stCondLst>
+                                  <p:childTnLst>
+                                    <p:set>
+                                      <p:cBhvr>
+                                        <p:cTn id="45" dur="1" fill="hold">
+                                          <p:stCondLst>
+                                            <p:cond delay="0"/>
+                                          </p:stCondLst>
+                                        </p:cTn>
+                                        <p:tgtEl>
+                                          <p:spTgt spid="39"/>
+                                        </p:tgtEl>
+                                        <p:attrNameLst>
+                                          <p:attrName>style.visibility</p:attrName>
+                                        </p:attrNameLst>
+                                      </p:cBhvr>
+                                      <p:to>
+                                        <p:strVal val="visible"/>
+                                      </p:to>
+                                    </p:set>
+                                    <p:animEffect transition="in" filter="fade">
+                                      <p:cBhvr>
+                                        <p:cTn id="46" dur="500"/>
+                                        <p:tgtEl>
+                                          <p:spTgt spid="39"/>
+                                        </p:tgtEl>
+                                      </p:cBhvr>
+                                    </p:animEffect>
+                                  </p:childTnLst>
+                                </p:cTn>
+                              </p:par>
+                            </p:childTnLst>
+                          </p:cTn>
+                        </p:par>
+                      </p:childTnLst>
+                    </p:cTn>
+                  </p:par>
+                  <p:par>
+                    <p:cTn id="47" fill="hold">
+                      <p:stCondLst>
+                        <p:cond delay="indefinite"/>
+                      </p:stCondLst>
+                      <p:childTnLst>
+                        <p:par>
+                          <p:cTn id="48" fill="hold">
+                            <p:stCondLst>
+                              <p:cond delay="0"/>
+                            </p:stCondLst>
+                            <p:childTnLst>
+                              <p:par>
+                                <p:cTn id="49" presetID="10" presetClass="entr" presetSubtype="0" fill="hold" grpId="0" nodeType="clickEffect">
+                                  <p:stCondLst>
+                                    <p:cond delay="0"/>
+                                  </p:stCondLst>
+                                  <p:childTnLst>
+                                    <p:set>
+                                      <p:cBhvr>
+                                        <p:cTn id="50" dur="1" fill="hold">
+                                          <p:stCondLst>
+                                            <p:cond delay="0"/>
+                                          </p:stCondLst>
+                                        </p:cTn>
+                                        <p:tgtEl>
+                                          <p:spTgt spid="40"/>
+                                        </p:tgtEl>
+                                        <p:attrNameLst>
+                                          <p:attrName>style.visibility</p:attrName>
+                                        </p:attrNameLst>
+                                      </p:cBhvr>
+                                      <p:to>
+                                        <p:strVal val="visible"/>
+                                      </p:to>
+                                    </p:set>
+                                    <p:animEffect transition="in" filter="fade">
+                                      <p:cBhvr>
+                                        <p:cTn id="51" dur="500"/>
+                                        <p:tgtEl>
+                                          <p:spTgt spid="40"/>
+                                        </p:tgtEl>
+                                      </p:cBhvr>
+                                    </p:animEffect>
+                                  </p:childTnLst>
+                                </p:cTn>
+                              </p:par>
+                            </p:childTnLst>
+                          </p:cTn>
+                        </p:par>
+                      </p:childTnLst>
+                    </p:cTn>
+                  </p:par>
+                </p:childTnLst>
+              </p:cTn>
+              <p:prevCondLst>
+                <p:cond evt="onPrev" delay="0">
+                  <p:tgtEl>
+                    <p:sldTgt/>
+                  </p:tgtEl>
+                </p:cond>
+              </p:prevCondLst>
+              <p:nextCondLst>
+                <p:cond evt="onNext" delay="0">
+                  <p:tgtEl>
+                    <p:sldTgt/>
+                  </p:tgtEl>
+                </p:cond>
+              </p:nextCondLst>
+            </p:seq>
+            <p:seq concurrent="1" nextAc="seek">
+              <p:cTn id="52" restart="whenNotActive" fill="hold" evtFilter="cancelBubble" nodeType="interactiveSeq">
+                <p:stCondLst>
+                  <p:cond evt="onClick" delay="0">
+                    <p:tgtEl>
+                      <p:spTgt spid="25"/>
+                    </p:tgtEl>
+                  </p:cond>
+                </p:stCondLst>
+                <p:endSync evt="end" delay="0">
+                  <p:rtn val="all"/>
+                </p:endSync>
+                <p:childTnLst>
+                  <p:par>
+                    <p:cTn id="53" fill="hold">
+                      <p:stCondLst>
+                        <p:cond delay="0"/>
+                      </p:stCondLst>
+                      <p:childTnLst>
+                        <p:par>
+                          <p:cTn id="54" fill="hold">
+                            <p:stCondLst>
+                              <p:cond delay="0"/>
+                            </p:stCondLst>
+                            <p:childTnLst>
+                              <p:par>
+                                <p:cTn id="55" presetID="1" presetClass="entr" presetSubtype="0" fill="hold" grpId="0" nodeType="clickEffect">
+                                  <p:stCondLst>
+                                    <p:cond delay="0"/>
+                                  </p:stCondLst>
+                                  <p:childTnLst>
+                                    <p:set>
+                                      <p:cBhvr>
+                                        <p:cTn id="56" dur="1" fill="hold">
+                                          <p:stCondLst>
+                                            <p:cond delay="0"/>
+                                          </p:stCondLst>
+                                        </p:cTn>
+                                        <p:tgtEl>
+                                          <p:spTgt spid="41"/>
+                                        </p:tgtEl>
+                                        <p:attrNameLst>
+                                          <p:attrName>style.visibility</p:attrName>
+                                        </p:attrNameLst>
+                                      </p:cBhvr>
+                                      <p:to>
+                                        <p:strVal val="visible"/>
+                                      </p:to>
+                                    </p:set>
+                                  </p:childTnLst>
+                                </p:cTn>
+                              </p:par>
+                            </p:childTnLst>
+                          </p:cTn>
+                        </p:par>
+                      </p:childTnLst>
+                    </p:cTn>
+                  </p:par>
+                  <p:par>
+                    <p:cTn id="57" fill="hold">
+                      <p:stCondLst>
+                        <p:cond delay="indefinite"/>
+                      </p:stCondLst>
+                      <p:childTnLst>
+                        <p:par>
+                          <p:cTn id="58" fill="hold">
+                            <p:stCondLst>
+                              <p:cond delay="0"/>
+                            </p:stCondLst>
+                            <p:childTnLst>
+                              <p:par>
+                                <p:cTn id="59" presetID="10" presetClass="exit" presetSubtype="0" fill="hold" grpId="1" nodeType="clickEffect">
+                                  <p:stCondLst>
+                                    <p:cond delay="0"/>
+                                  </p:stCondLst>
+                                  <p:childTnLst>
+                                    <p:animEffect transition="out" filter="fade">
+                                      <p:cBhvr>
+                                        <p:cTn id="60" dur="500"/>
+                                        <p:tgtEl>
+                                          <p:spTgt spid="41"/>
+                                        </p:tgtEl>
+                                      </p:cBhvr>
+                                    </p:animEffect>
+                                    <p:set>
+                                      <p:cBhvr>
+                                        <p:cTn id="61" dur="1" fill="hold">
+                                          <p:stCondLst>
+                                            <p:cond delay="499"/>
+                                          </p:stCondLst>
+                                        </p:cTn>
+                                        <p:tgtEl>
+                                          <p:spTgt spid="41"/>
+                                        </p:tgtEl>
+                                        <p:attrNameLst>
+                                          <p:attrName>style.visibility</p:attrName>
+                                        </p:attrNameLst>
+                                      </p:cBhvr>
+                                      <p:to>
+                                        <p:strVal val="hidden"/>
+                                      </p:to>
+                                    </p:set>
+                                  </p:childTnLst>
+                                </p:cTn>
+                              </p:par>
+                            </p:childTnLst>
+                          </p:cTn>
+                        </p:par>
+                      </p:childTnLst>
+                    </p:cTn>
+                  </p:par>
+                </p:childTnLst>
+              </p:cTn>
+              <p:nextCondLst>
+                <p:cond evt="onClick" delay="0">
+                  <p:tgtEl>
+                    <p:spTgt spid="25"/>
+                  </p:tgtEl>
+                </p:cond>
+              </p:nextCondLst>
+            </p:seq>
+          </p:childTnLst>
+        </p:cTn>
+      </p:par>
+    </p:tnLst>
+    <p:bldLst>
+      <p:bldP spid="16" grpId="0" animBg="1"/>
+      <p:bldP spid="17" grpId="0" animBg="1"/>
+      <p:bldP spid="18" grpId="0" animBg="1"/>
+      <p:bldP spid="31" grpId="0" animBg="1"/>
+      <p:bldP spid="38" grpId="0" animBg="1"/>
+      <p:bldP spid="39" grpId="0" animBg="1"/>
+      <p:bldP spid="40" grpId="0" animBg="1"/>
+      <p:bldP spid="41" grpId="0" animBg="1"/>
+      <p:bldP spid="41" grpId="1" animBg="1"/>
+    </p:bldLst>
+  </p:timing>
 </p:sld>
 </file>
 
@@ -12799,27 +15129,125 @@
           <a:p>
             <a:pPr algn="ctr"/>
             <a:r>
-              <a:rPr lang="en-US">
+              <a:rPr lang="en-US" dirty="0" err="1">
                 <a:latin typeface="Arial" panose="020B0604020202020204" pitchFamily="34" charset="0"/>
                 <a:cs typeface="Arial" panose="020B0604020202020204" pitchFamily="34" charset="0"/>
               </a:rPr>
-              <a:t>Mô phỏng cách ng</a:t>
-            </a:r>
-            <a:r>
-              <a:rPr lang="vi-VN">
+              <a:t>Mô</a:t>
+            </a:r>
+            <a:r>
+              <a:rPr lang="en-US" dirty="0">
                 <a:latin typeface="Arial" panose="020B0604020202020204" pitchFamily="34" charset="0"/>
                 <a:cs typeface="Arial" panose="020B0604020202020204" pitchFamily="34" charset="0"/>
               </a:rPr>
+              <a:t> </a:t>
+            </a:r>
+            <a:r>
+              <a:rPr lang="en-US" dirty="0" err="1">
+                <a:latin typeface="Arial" panose="020B0604020202020204" pitchFamily="34" charset="0"/>
+                <a:cs typeface="Arial" panose="020B0604020202020204" pitchFamily="34" charset="0"/>
+              </a:rPr>
+              <a:t>phỏng</a:t>
+            </a:r>
+            <a:r>
+              <a:rPr lang="en-US" dirty="0">
+                <a:latin typeface="Arial" panose="020B0604020202020204" pitchFamily="34" charset="0"/>
+                <a:cs typeface="Arial" panose="020B0604020202020204" pitchFamily="34" charset="0"/>
+              </a:rPr>
+              <a:t> </a:t>
+            </a:r>
+            <a:r>
+              <a:rPr lang="en-US" dirty="0" err="1">
+                <a:latin typeface="Arial" panose="020B0604020202020204" pitchFamily="34" charset="0"/>
+                <a:cs typeface="Arial" panose="020B0604020202020204" pitchFamily="34" charset="0"/>
+              </a:rPr>
+              <a:t>cách</a:t>
+            </a:r>
+            <a:r>
+              <a:rPr lang="en-US" dirty="0">
+                <a:latin typeface="Arial" panose="020B0604020202020204" pitchFamily="34" charset="0"/>
+                <a:cs typeface="Arial" panose="020B0604020202020204" pitchFamily="34" charset="0"/>
+              </a:rPr>
+              <a:t> ng</a:t>
+            </a:r>
+            <a:r>
+              <a:rPr lang="vi-VN" dirty="0">
+                <a:latin typeface="Arial" panose="020B0604020202020204" pitchFamily="34" charset="0"/>
+                <a:cs typeface="Arial" panose="020B0604020202020204" pitchFamily="34" charset="0"/>
+              </a:rPr>
               <a:t>ư</a:t>
             </a:r>
             <a:r>
-              <a:rPr lang="en-US">
+              <a:rPr lang="en-US" dirty="0" err="1">
                 <a:latin typeface="Arial" panose="020B0604020202020204" pitchFamily="34" charset="0"/>
                 <a:cs typeface="Arial" panose="020B0604020202020204" pitchFamily="34" charset="0"/>
               </a:rPr>
-              <a:t>ời dùng sử dụng trang web</a:t>
-            </a:r>
-            <a:endParaRPr lang="vi-VN">
+              <a:t>ời</a:t>
+            </a:r>
+            <a:r>
+              <a:rPr lang="en-US" dirty="0">
+                <a:latin typeface="Arial" panose="020B0604020202020204" pitchFamily="34" charset="0"/>
+                <a:cs typeface="Arial" panose="020B0604020202020204" pitchFamily="34" charset="0"/>
+              </a:rPr>
+              <a:t> </a:t>
+            </a:r>
+            <a:r>
+              <a:rPr lang="en-US" dirty="0" err="1">
+                <a:latin typeface="Arial" panose="020B0604020202020204" pitchFamily="34" charset="0"/>
+                <a:cs typeface="Arial" panose="020B0604020202020204" pitchFamily="34" charset="0"/>
+              </a:rPr>
+              <a:t>dùng</a:t>
+            </a:r>
+            <a:r>
+              <a:rPr lang="en-US" dirty="0">
+                <a:latin typeface="Arial" panose="020B0604020202020204" pitchFamily="34" charset="0"/>
+                <a:cs typeface="Arial" panose="020B0604020202020204" pitchFamily="34" charset="0"/>
+              </a:rPr>
+              <a:t> </a:t>
+            </a:r>
+            <a:r>
+              <a:rPr lang="en-US" dirty="0" err="1">
+                <a:latin typeface="Arial" panose="020B0604020202020204" pitchFamily="34" charset="0"/>
+                <a:cs typeface="Arial" panose="020B0604020202020204" pitchFamily="34" charset="0"/>
+              </a:rPr>
+              <a:t>sử</a:t>
+            </a:r>
+            <a:r>
+              <a:rPr lang="en-US" dirty="0">
+                <a:latin typeface="Arial" panose="020B0604020202020204" pitchFamily="34" charset="0"/>
+                <a:cs typeface="Arial" panose="020B0604020202020204" pitchFamily="34" charset="0"/>
+              </a:rPr>
+              <a:t> </a:t>
+            </a:r>
+            <a:r>
+              <a:rPr lang="en-US" dirty="0" err="1">
+                <a:latin typeface="Arial" panose="020B0604020202020204" pitchFamily="34" charset="0"/>
+                <a:cs typeface="Arial" panose="020B0604020202020204" pitchFamily="34" charset="0"/>
+              </a:rPr>
+              <a:t>dụng</a:t>
+            </a:r>
+            <a:r>
+              <a:rPr lang="en-US" dirty="0">
+                <a:latin typeface="Arial" panose="020B0604020202020204" pitchFamily="34" charset="0"/>
+                <a:cs typeface="Arial" panose="020B0604020202020204" pitchFamily="34" charset="0"/>
+              </a:rPr>
+              <a:t> </a:t>
+            </a:r>
+            <a:r>
+              <a:rPr lang="en-US" dirty="0" err="1">
+                <a:latin typeface="Arial" panose="020B0604020202020204" pitchFamily="34" charset="0"/>
+                <a:cs typeface="Arial" panose="020B0604020202020204" pitchFamily="34" charset="0"/>
+              </a:rPr>
+              <a:t>trang</a:t>
+            </a:r>
+            <a:r>
+              <a:rPr lang="en-US" dirty="0">
+                <a:latin typeface="Arial" panose="020B0604020202020204" pitchFamily="34" charset="0"/>
+                <a:cs typeface="Arial" panose="020B0604020202020204" pitchFamily="34" charset="0"/>
+              </a:rPr>
+              <a:t> web</a:t>
+            </a:r>
+            <a:endParaRPr lang="vi-VN" dirty="0">
               <a:latin typeface="Arial" panose="020B0604020202020204" pitchFamily="34" charset="0"/>
               <a:cs typeface="Arial" panose="020B0604020202020204" pitchFamily="34" charset="0"/>
             </a:endParaRPr>
@@ -12923,13 +15351,125 @@
           <a:p>
             <a:pPr algn="ctr"/>
             <a:r>
-              <a:rPr lang="en-US">
+              <a:rPr lang="en-US" dirty="0" err="1">
                 <a:latin typeface="Arial" panose="020B0604020202020204" pitchFamily="34" charset="0"/>
                 <a:cs typeface="Arial" panose="020B0604020202020204" pitchFamily="34" charset="0"/>
               </a:rPr>
-              <a:t>Watir xử lí các lệnh và thực thi chúng</a:t>
-            </a:r>
-            <a:endParaRPr lang="vi-VN">
+              <a:t>Watir</a:t>
+            </a:r>
+            <a:r>
+              <a:rPr lang="en-US" dirty="0">
+                <a:latin typeface="Arial" panose="020B0604020202020204" pitchFamily="34" charset="0"/>
+                <a:cs typeface="Arial" panose="020B0604020202020204" pitchFamily="34" charset="0"/>
+              </a:rPr>
+              <a:t> </a:t>
+            </a:r>
+            <a:r>
+              <a:rPr lang="en-US" dirty="0" err="1">
+                <a:latin typeface="Arial" panose="020B0604020202020204" pitchFamily="34" charset="0"/>
+                <a:cs typeface="Arial" panose="020B0604020202020204" pitchFamily="34" charset="0"/>
+              </a:rPr>
+              <a:t>xử</a:t>
+            </a:r>
+            <a:r>
+              <a:rPr lang="en-US" dirty="0">
+                <a:latin typeface="Arial" panose="020B0604020202020204" pitchFamily="34" charset="0"/>
+                <a:cs typeface="Arial" panose="020B0604020202020204" pitchFamily="34" charset="0"/>
+              </a:rPr>
+              <a:t> </a:t>
+            </a:r>
+            <a:r>
+              <a:rPr lang="en-US" dirty="0" err="1">
+                <a:latin typeface="Arial" panose="020B0604020202020204" pitchFamily="34" charset="0"/>
+                <a:cs typeface="Arial" panose="020B0604020202020204" pitchFamily="34" charset="0"/>
+              </a:rPr>
+              <a:t>lí</a:t>
+            </a:r>
+            <a:r>
+              <a:rPr lang="en-US" dirty="0">
+                <a:latin typeface="Arial" panose="020B0604020202020204" pitchFamily="34" charset="0"/>
+                <a:cs typeface="Arial" panose="020B0604020202020204" pitchFamily="34" charset="0"/>
+              </a:rPr>
+              <a:t> </a:t>
+            </a:r>
+            <a:r>
+              <a:rPr lang="en-US" dirty="0" err="1">
+                <a:latin typeface="Arial" panose="020B0604020202020204" pitchFamily="34" charset="0"/>
+                <a:cs typeface="Arial" panose="020B0604020202020204" pitchFamily="34" charset="0"/>
+              </a:rPr>
+              <a:t>các</a:t>
+            </a:r>
+            <a:r>
+              <a:rPr lang="en-US" dirty="0">
+                <a:latin typeface="Arial" panose="020B0604020202020204" pitchFamily="34" charset="0"/>
+                <a:cs typeface="Arial" panose="020B0604020202020204" pitchFamily="34" charset="0"/>
+              </a:rPr>
+              <a:t> </a:t>
+            </a:r>
+            <a:r>
+              <a:rPr lang="en-US" dirty="0" err="1">
+                <a:latin typeface="Arial" panose="020B0604020202020204" pitchFamily="34" charset="0"/>
+                <a:cs typeface="Arial" panose="020B0604020202020204" pitchFamily="34" charset="0"/>
+              </a:rPr>
+              <a:t>lệnh</a:t>
+            </a:r>
+            <a:r>
+              <a:rPr lang="en-US" dirty="0">
+                <a:latin typeface="Arial" panose="020B0604020202020204" pitchFamily="34" charset="0"/>
+                <a:cs typeface="Arial" panose="020B0604020202020204" pitchFamily="34" charset="0"/>
+              </a:rPr>
+              <a:t> </a:t>
+            </a:r>
+            <a:r>
+              <a:rPr lang="en-US" dirty="0" err="1">
+                <a:latin typeface="Arial" panose="020B0604020202020204" pitchFamily="34" charset="0"/>
+                <a:cs typeface="Arial" panose="020B0604020202020204" pitchFamily="34" charset="0"/>
+              </a:rPr>
+              <a:t>và</a:t>
+            </a:r>
+            <a:r>
+              <a:rPr lang="en-US" dirty="0">
+                <a:latin typeface="Arial" panose="020B0604020202020204" pitchFamily="34" charset="0"/>
+                <a:cs typeface="Arial" panose="020B0604020202020204" pitchFamily="34" charset="0"/>
+              </a:rPr>
+              <a:t> </a:t>
+            </a:r>
+            <a:r>
+              <a:rPr lang="en-US" dirty="0" err="1">
+                <a:latin typeface="Arial" panose="020B0604020202020204" pitchFamily="34" charset="0"/>
+                <a:cs typeface="Arial" panose="020B0604020202020204" pitchFamily="34" charset="0"/>
+              </a:rPr>
+              <a:t>thực</a:t>
+            </a:r>
+            <a:r>
+              <a:rPr lang="en-US" dirty="0">
+                <a:latin typeface="Arial" panose="020B0604020202020204" pitchFamily="34" charset="0"/>
+                <a:cs typeface="Arial" panose="020B0604020202020204" pitchFamily="34" charset="0"/>
+              </a:rPr>
+              <a:t> </a:t>
+            </a:r>
+            <a:r>
+              <a:rPr lang="en-US" dirty="0" err="1">
+                <a:latin typeface="Arial" panose="020B0604020202020204" pitchFamily="34" charset="0"/>
+                <a:cs typeface="Arial" panose="020B0604020202020204" pitchFamily="34" charset="0"/>
+              </a:rPr>
+              <a:t>thi</a:t>
+            </a:r>
+            <a:r>
+              <a:rPr lang="en-US" dirty="0">
+                <a:latin typeface="Arial" panose="020B0604020202020204" pitchFamily="34" charset="0"/>
+                <a:cs typeface="Arial" panose="020B0604020202020204" pitchFamily="34" charset="0"/>
+              </a:rPr>
+              <a:t> </a:t>
+            </a:r>
+            <a:r>
+              <a:rPr lang="en-US" dirty="0" err="1">
+                <a:latin typeface="Arial" panose="020B0604020202020204" pitchFamily="34" charset="0"/>
+                <a:cs typeface="Arial" panose="020B0604020202020204" pitchFamily="34" charset="0"/>
+              </a:rPr>
+              <a:t>chúng</a:t>
+            </a:r>
+            <a:endParaRPr lang="vi-VN" dirty="0">
               <a:latin typeface="Arial" panose="020B0604020202020204" pitchFamily="34" charset="0"/>
               <a:cs typeface="Arial" panose="020B0604020202020204" pitchFamily="34" charset="0"/>
             </a:endParaRPr>
@@ -13044,6 +15584,307 @@
   <p:clrMapOvr>
     <a:masterClrMapping/>
   </p:clrMapOvr>
+  <p:timing>
+    <p:tnLst>
+      <p:par>
+        <p:cTn id="1" dur="indefinite" restart="never" nodeType="tmRoot">
+          <p:childTnLst>
+            <p:seq concurrent="1" nextAc="seek">
+              <p:cTn id="2" dur="indefinite" nodeType="mainSeq">
+                <p:childTnLst>
+                  <p:par>
+                    <p:cTn id="3" fill="hold">
+                      <p:stCondLst>
+                        <p:cond delay="indefinite"/>
+                      </p:stCondLst>
+                      <p:childTnLst>
+                        <p:par>
+                          <p:cTn id="4" fill="hold">
+                            <p:stCondLst>
+                              <p:cond delay="0"/>
+                            </p:stCondLst>
+                            <p:childTnLst>
+                              <p:par>
+                                <p:cTn id="5" presetID="1" presetClass="entr" presetSubtype="0" fill="hold" nodeType="clickEffect">
+                                  <p:stCondLst>
+                                    <p:cond delay="0"/>
+                                  </p:stCondLst>
+                                  <p:childTnLst>
+                                    <p:set>
+                                      <p:cBhvr>
+                                        <p:cTn id="6" dur="1" fill="hold">
+                                          <p:stCondLst>
+                                            <p:cond delay="0"/>
+                                          </p:stCondLst>
+                                        </p:cTn>
+                                        <p:tgtEl>
+                                          <p:spTgt spid="6"/>
+                                        </p:tgtEl>
+                                        <p:attrNameLst>
+                                          <p:attrName>style.visibility</p:attrName>
+                                        </p:attrNameLst>
+                                      </p:cBhvr>
+                                      <p:to>
+                                        <p:strVal val="visible"/>
+                                      </p:to>
+                                    </p:set>
+                                  </p:childTnLst>
+                                </p:cTn>
+                              </p:par>
+                            </p:childTnLst>
+                          </p:cTn>
+                        </p:par>
+                      </p:childTnLst>
+                    </p:cTn>
+                  </p:par>
+                  <p:par>
+                    <p:cTn id="7" fill="hold">
+                      <p:stCondLst>
+                        <p:cond delay="indefinite"/>
+                      </p:stCondLst>
+                      <p:childTnLst>
+                        <p:par>
+                          <p:cTn id="8" fill="hold">
+                            <p:stCondLst>
+                              <p:cond delay="0"/>
+                            </p:stCondLst>
+                            <p:childTnLst>
+                              <p:par>
+                                <p:cTn id="9" presetID="10" presetClass="entr" presetSubtype="0" fill="hold" grpId="0" nodeType="clickEffect">
+                                  <p:stCondLst>
+                                    <p:cond delay="0"/>
+                                  </p:stCondLst>
+                                  <p:childTnLst>
+                                    <p:set>
+                                      <p:cBhvr>
+                                        <p:cTn id="10" dur="1" fill="hold">
+                                          <p:stCondLst>
+                                            <p:cond delay="0"/>
+                                          </p:stCondLst>
+                                        </p:cTn>
+                                        <p:tgtEl>
+                                          <p:spTgt spid="9"/>
+                                        </p:tgtEl>
+                                        <p:attrNameLst>
+                                          <p:attrName>style.visibility</p:attrName>
+                                        </p:attrNameLst>
+                                      </p:cBhvr>
+                                      <p:to>
+                                        <p:strVal val="visible"/>
+                                      </p:to>
+                                    </p:set>
+                                    <p:animEffect transition="in" filter="fade">
+                                      <p:cBhvr>
+                                        <p:cTn id="11" dur="500"/>
+                                        <p:tgtEl>
+                                          <p:spTgt spid="9"/>
+                                        </p:tgtEl>
+                                      </p:cBhvr>
+                                    </p:animEffect>
+                                  </p:childTnLst>
+                                </p:cTn>
+                              </p:par>
+                              <p:par>
+                                <p:cTn id="12" presetID="10" presetClass="entr" presetSubtype="0" fill="hold" nodeType="withEffect">
+                                  <p:stCondLst>
+                                    <p:cond delay="0"/>
+                                  </p:stCondLst>
+                                  <p:childTnLst>
+                                    <p:set>
+                                      <p:cBhvr>
+                                        <p:cTn id="13" dur="1" fill="hold">
+                                          <p:stCondLst>
+                                            <p:cond delay="0"/>
+                                          </p:stCondLst>
+                                        </p:cTn>
+                                        <p:tgtEl>
+                                          <p:spTgt spid="15"/>
+                                        </p:tgtEl>
+                                        <p:attrNameLst>
+                                          <p:attrName>style.visibility</p:attrName>
+                                        </p:attrNameLst>
+                                      </p:cBhvr>
+                                      <p:to>
+                                        <p:strVal val="visible"/>
+                                      </p:to>
+                                    </p:set>
+                                    <p:animEffect transition="in" filter="fade">
+                                      <p:cBhvr>
+                                        <p:cTn id="14" dur="500"/>
+                                        <p:tgtEl>
+                                          <p:spTgt spid="15"/>
+                                        </p:tgtEl>
+                                      </p:cBhvr>
+                                    </p:animEffect>
+                                  </p:childTnLst>
+                                </p:cTn>
+                              </p:par>
+                            </p:childTnLst>
+                          </p:cTn>
+                        </p:par>
+                        <p:par>
+                          <p:cTn id="15" fill="hold">
+                            <p:stCondLst>
+                              <p:cond delay="500"/>
+                            </p:stCondLst>
+                            <p:childTnLst>
+                              <p:par>
+                                <p:cTn id="16" presetID="10" presetClass="entr" presetSubtype="0" fill="hold" grpId="0" nodeType="afterEffect">
+                                  <p:stCondLst>
+                                    <p:cond delay="0"/>
+                                  </p:stCondLst>
+                                  <p:childTnLst>
+                                    <p:set>
+                                      <p:cBhvr>
+                                        <p:cTn id="17" dur="1" fill="hold">
+                                          <p:stCondLst>
+                                            <p:cond delay="0"/>
+                                          </p:stCondLst>
+                                        </p:cTn>
+                                        <p:tgtEl>
+                                          <p:spTgt spid="10"/>
+                                        </p:tgtEl>
+                                        <p:attrNameLst>
+                                          <p:attrName>style.visibility</p:attrName>
+                                        </p:attrNameLst>
+                                      </p:cBhvr>
+                                      <p:to>
+                                        <p:strVal val="visible"/>
+                                      </p:to>
+                                    </p:set>
+                                    <p:animEffect transition="in" filter="fade">
+                                      <p:cBhvr>
+                                        <p:cTn id="18" dur="500"/>
+                                        <p:tgtEl>
+                                          <p:spTgt spid="10"/>
+                                        </p:tgtEl>
+                                      </p:cBhvr>
+                                    </p:animEffect>
+                                  </p:childTnLst>
+                                </p:cTn>
+                              </p:par>
+                            </p:childTnLst>
+                          </p:cTn>
+                        </p:par>
+                        <p:par>
+                          <p:cTn id="19" fill="hold">
+                            <p:stCondLst>
+                              <p:cond delay="1000"/>
+                            </p:stCondLst>
+                            <p:childTnLst>
+                              <p:par>
+                                <p:cTn id="20" presetID="10" presetClass="entr" presetSubtype="0" fill="hold" grpId="0" nodeType="afterEffect">
+                                  <p:stCondLst>
+                                    <p:cond delay="0"/>
+                                  </p:stCondLst>
+                                  <p:childTnLst>
+                                    <p:set>
+                                      <p:cBhvr>
+                                        <p:cTn id="21" dur="1" fill="hold">
+                                          <p:stCondLst>
+                                            <p:cond delay="0"/>
+                                          </p:stCondLst>
+                                        </p:cTn>
+                                        <p:tgtEl>
+                                          <p:spTgt spid="11"/>
+                                        </p:tgtEl>
+                                        <p:attrNameLst>
+                                          <p:attrName>style.visibility</p:attrName>
+                                        </p:attrNameLst>
+                                      </p:cBhvr>
+                                      <p:to>
+                                        <p:strVal val="visible"/>
+                                      </p:to>
+                                    </p:set>
+                                    <p:animEffect transition="in" filter="fade">
+                                      <p:cBhvr>
+                                        <p:cTn id="22" dur="500"/>
+                                        <p:tgtEl>
+                                          <p:spTgt spid="11"/>
+                                        </p:tgtEl>
+                                      </p:cBhvr>
+                                    </p:animEffect>
+                                  </p:childTnLst>
+                                </p:cTn>
+                              </p:par>
+                            </p:childTnLst>
+                          </p:cTn>
+                        </p:par>
+                        <p:par>
+                          <p:cTn id="23" fill="hold">
+                            <p:stCondLst>
+                              <p:cond delay="1500"/>
+                            </p:stCondLst>
+                            <p:childTnLst>
+                              <p:par>
+                                <p:cTn id="24" presetID="10" presetClass="entr" presetSubtype="0" fill="hold" grpId="0" nodeType="afterEffect">
+                                  <p:stCondLst>
+                                    <p:cond delay="0"/>
+                                  </p:stCondLst>
+                                  <p:childTnLst>
+                                    <p:set>
+                                      <p:cBhvr>
+                                        <p:cTn id="25" dur="1" fill="hold">
+                                          <p:stCondLst>
+                                            <p:cond delay="0"/>
+                                          </p:stCondLst>
+                                        </p:cTn>
+                                        <p:tgtEl>
+                                          <p:spTgt spid="12"/>
+                                        </p:tgtEl>
+                                        <p:attrNameLst>
+                                          <p:attrName>style.visibility</p:attrName>
+                                        </p:attrNameLst>
+                                      </p:cBhvr>
+                                      <p:to>
+                                        <p:strVal val="visible"/>
+                                      </p:to>
+                                    </p:set>
+                                    <p:animEffect transition="in" filter="fade">
+                                      <p:cBhvr>
+                                        <p:cTn id="26" dur="500"/>
+                                        <p:tgtEl>
+                                          <p:spTgt spid="12"/>
+                                        </p:tgtEl>
+                                      </p:cBhvr>
+                                    </p:animEffect>
+                                  </p:childTnLst>
+                                </p:cTn>
+                              </p:par>
+                            </p:childTnLst>
+                          </p:cTn>
+                        </p:par>
+                      </p:childTnLst>
+                    </p:cTn>
+                  </p:par>
+                </p:childTnLst>
+              </p:cTn>
+              <p:prevCondLst>
+                <p:cond evt="onPrev" delay="0">
+                  <p:tgtEl>
+                    <p:sldTgt/>
+                  </p:tgtEl>
+                </p:cond>
+              </p:prevCondLst>
+              <p:nextCondLst>
+                <p:cond evt="onNext" delay="0">
+                  <p:tgtEl>
+                    <p:sldTgt/>
+                  </p:tgtEl>
+                </p:cond>
+              </p:nextCondLst>
+            </p:seq>
+          </p:childTnLst>
+        </p:cTn>
+      </p:par>
+    </p:tnLst>
+    <p:bldLst>
+      <p:bldP spid="9" grpId="0" animBg="1"/>
+      <p:bldP spid="10" grpId="0" animBg="1"/>
+      <p:bldP spid="11" grpId="0" animBg="1"/>
+      <p:bldP spid="12" grpId="0" animBg="1"/>
+    </p:bldLst>
+  </p:timing>
 </p:sld>
 </file>
 
@@ -13181,13 +16022,13 @@
             <a:p>
               <a:pPr algn="ctr"/>
               <a:r>
-                <a:rPr lang="en-US">
+                <a:rPr lang="en-US" dirty="0">
                   <a:latin typeface="Arial" panose="020B0604020202020204" pitchFamily="34" charset="0"/>
                   <a:cs typeface="Arial" panose="020B0604020202020204" pitchFamily="34" charset="0"/>
                 </a:rPr>
                 <a:t>2</a:t>
               </a:r>
-              <a:endParaRPr lang="vi-VN">
+              <a:endParaRPr lang="vi-VN" dirty="0">
                 <a:latin typeface="Arial" panose="020B0604020202020204" pitchFamily="34" charset="0"/>
                 <a:cs typeface="Arial" panose="020B0604020202020204" pitchFamily="34" charset="0"/>
               </a:endParaRPr>
@@ -13406,6 +16247,200 @@
   <p:clrMapOvr>
     <a:masterClrMapping/>
   </p:clrMapOvr>
+  <p:timing>
+    <p:tnLst>
+      <p:par>
+        <p:cTn id="1" dur="indefinite" restart="never" nodeType="tmRoot">
+          <p:childTnLst>
+            <p:seq concurrent="1" nextAc="seek">
+              <p:cTn id="2" dur="indefinite" nodeType="mainSeq">
+                <p:childTnLst>
+                  <p:par>
+                    <p:cTn id="3" fill="hold">
+                      <p:stCondLst>
+                        <p:cond delay="indefinite"/>
+                      </p:stCondLst>
+                      <p:childTnLst>
+                        <p:par>
+                          <p:cTn id="4" fill="hold">
+                            <p:stCondLst>
+                              <p:cond delay="0"/>
+                            </p:stCondLst>
+                            <p:childTnLst>
+                              <p:par>
+                                <p:cTn id="5" presetID="10" presetClass="entr" presetSubtype="0" fill="hold" grpId="0" nodeType="clickEffect">
+                                  <p:stCondLst>
+                                    <p:cond delay="0"/>
+                                  </p:stCondLst>
+                                  <p:childTnLst>
+                                    <p:set>
+                                      <p:cBhvr>
+                                        <p:cTn id="6" dur="1" fill="hold">
+                                          <p:stCondLst>
+                                            <p:cond delay="0"/>
+                                          </p:stCondLst>
+                                        </p:cTn>
+                                        <p:tgtEl>
+                                          <p:spTgt spid="13"/>
+                                        </p:tgtEl>
+                                        <p:attrNameLst>
+                                          <p:attrName>style.visibility</p:attrName>
+                                        </p:attrNameLst>
+                                      </p:cBhvr>
+                                      <p:to>
+                                        <p:strVal val="visible"/>
+                                      </p:to>
+                                    </p:set>
+                                    <p:animEffect transition="in" filter="fade">
+                                      <p:cBhvr>
+                                        <p:cTn id="7" dur="500"/>
+                                        <p:tgtEl>
+                                          <p:spTgt spid="13"/>
+                                        </p:tgtEl>
+                                      </p:cBhvr>
+                                    </p:animEffect>
+                                  </p:childTnLst>
+                                </p:cTn>
+                              </p:par>
+                            </p:childTnLst>
+                          </p:cTn>
+                        </p:par>
+                      </p:childTnLst>
+                    </p:cTn>
+                  </p:par>
+                  <p:par>
+                    <p:cTn id="8" fill="hold">
+                      <p:stCondLst>
+                        <p:cond delay="indefinite"/>
+                      </p:stCondLst>
+                      <p:childTnLst>
+                        <p:par>
+                          <p:cTn id="9" fill="hold">
+                            <p:stCondLst>
+                              <p:cond delay="0"/>
+                            </p:stCondLst>
+                            <p:childTnLst>
+                              <p:par>
+                                <p:cTn id="10" presetID="22" presetClass="entr" presetSubtype="4" fill="hold" grpId="0" nodeType="clickEffect">
+                                  <p:stCondLst>
+                                    <p:cond delay="0"/>
+                                  </p:stCondLst>
+                                  <p:childTnLst>
+                                    <p:set>
+                                      <p:cBhvr>
+                                        <p:cTn id="11" dur="1" fill="hold">
+                                          <p:stCondLst>
+                                            <p:cond delay="0"/>
+                                          </p:stCondLst>
+                                        </p:cTn>
+                                        <p:tgtEl>
+                                          <p:spTgt spid="2"/>
+                                        </p:tgtEl>
+                                        <p:attrNameLst>
+                                          <p:attrName>style.visibility</p:attrName>
+                                        </p:attrNameLst>
+                                      </p:cBhvr>
+                                      <p:to>
+                                        <p:strVal val="visible"/>
+                                      </p:to>
+                                    </p:set>
+                                    <p:animEffect transition="in" filter="wipe(down)">
+                                      <p:cBhvr>
+                                        <p:cTn id="12" dur="500"/>
+                                        <p:tgtEl>
+                                          <p:spTgt spid="2"/>
+                                        </p:tgtEl>
+                                      </p:cBhvr>
+                                    </p:animEffect>
+                                  </p:childTnLst>
+                                </p:cTn>
+                              </p:par>
+                            </p:childTnLst>
+                          </p:cTn>
+                        </p:par>
+                      </p:childTnLst>
+                    </p:cTn>
+                  </p:par>
+                  <p:par>
+                    <p:cTn id="13" fill="hold">
+                      <p:stCondLst>
+                        <p:cond delay="indefinite"/>
+                      </p:stCondLst>
+                      <p:childTnLst>
+                        <p:par>
+                          <p:cTn id="14" fill="hold">
+                            <p:stCondLst>
+                              <p:cond delay="0"/>
+                            </p:stCondLst>
+                            <p:childTnLst>
+                              <p:par>
+                                <p:cTn id="15" presetID="10" presetClass="entr" presetSubtype="0" fill="hold" grpId="0" nodeType="clickEffect">
+                                  <p:stCondLst>
+                                    <p:cond delay="0"/>
+                                  </p:stCondLst>
+                                  <p:childTnLst>
+                                    <p:set>
+                                      <p:cBhvr>
+                                        <p:cTn id="16" dur="1" fill="hold">
+                                          <p:stCondLst>
+                                            <p:cond delay="0"/>
+                                          </p:stCondLst>
+                                        </p:cTn>
+                                        <p:tgtEl>
+                                          <p:spTgt spid="14"/>
+                                        </p:tgtEl>
+                                        <p:attrNameLst>
+                                          <p:attrName>style.visibility</p:attrName>
+                                        </p:attrNameLst>
+                                      </p:cBhvr>
+                                      <p:to>
+                                        <p:strVal val="visible"/>
+                                      </p:to>
+                                    </p:set>
+                                    <p:animEffect transition="in" filter="fade">
+                                      <p:cBhvr>
+                                        <p:cTn id="17" dur="500"/>
+                                        <p:tgtEl>
+                                          <p:spTgt spid="14"/>
+                                        </p:tgtEl>
+                                      </p:cBhvr>
+                                    </p:animEffect>
+                                  </p:childTnLst>
+                                </p:cTn>
+                              </p:par>
+                            </p:childTnLst>
+                          </p:cTn>
+                        </p:par>
+                      </p:childTnLst>
+                    </p:cTn>
+                  </p:par>
+                </p:childTnLst>
+              </p:cTn>
+              <p:prevCondLst>
+                <p:cond evt="onPrev" delay="0">
+                  <p:tgtEl>
+                    <p:sldTgt/>
+                  </p:tgtEl>
+                </p:cond>
+              </p:prevCondLst>
+              <p:nextCondLst>
+                <p:cond evt="onNext" delay="0">
+                  <p:tgtEl>
+                    <p:sldTgt/>
+                  </p:tgtEl>
+                </p:cond>
+              </p:nextCondLst>
+            </p:seq>
+          </p:childTnLst>
+        </p:cTn>
+      </p:par>
+    </p:tnLst>
+    <p:bldLst>
+      <p:bldP spid="13" grpId="0" animBg="1"/>
+      <p:bldP spid="14" grpId="0" animBg="1"/>
+      <p:bldP spid="2" grpId="0" animBg="1"/>
+    </p:bldLst>
+  </p:timing>
 </p:sld>
 </file>
 

--- a/TESTING/1-3.pptx
+++ b/TESTING/1-3.pptx
@@ -211,7 +211,7 @@
           <a:p>
             <a:fld id="{BD191DC8-1FE8-7046-A8AC-9F90E86112EC}" type="datetimeFigureOut">
               <a:rPr lang="en-US" smtClean="0"/>
-              <a:t>26-Jun-20</a:t>
+              <a:t>06/28/2020</a:t>
             </a:fld>
             <a:endParaRPr lang="en-US"/>
           </a:p>
